--- a/docs/diagrams/LogicComponentSequenceDiagram.pptx
+++ b/docs/diagrams/LogicComponentSequenceDiagram.pptx
@@ -5,12 +5,13 @@
     <p:sldMasterId id="2147483648" r:id="rId1"/>
   </p:sldMasterIdLst>
   <p:notesMasterIdLst>
-    <p:notesMasterId r:id="rId3"/>
+    <p:notesMasterId r:id="rId4"/>
   </p:notesMasterIdLst>
   <p:sldIdLst>
     <p:sldId id="267" r:id="rId2"/>
+    <p:sldId id="268" r:id="rId3"/>
   </p:sldIdLst>
-  <p:sldSz cx="9144000" cy="6858000" type="screen4x3"/>
+  <p:sldSz cx="12192000" cy="6858000"/>
   <p:notesSz cx="6858000" cy="9144000"/>
   <p:defaultTextStyle>
     <a:defPPr>
@@ -110,12 +111,12 @@
   <p:extLst>
     <p:ext uri="{EFAFB233-063F-42B5-8137-9DF3F51BA10A}">
       <p15:sldGuideLst xmlns:p15="http://schemas.microsoft.com/office/powerpoint/2012/main">
-        <p15:guide id="1" orient="horz" pos="1488">
+        <p15:guide id="1" orient="horz" pos="1488" userDrawn="1">
           <p15:clr>
             <a:srgbClr val="A4A3A4"/>
           </p15:clr>
         </p15:guide>
-        <p15:guide id="2" pos="2880">
+        <p15:guide id="2" pos="3840" userDrawn="1">
           <p15:clr>
             <a:srgbClr val="A4A3A4"/>
           </p15:clr>
@@ -124,10 +125,6 @@
     </p:ext>
   </p:extLst>
 </p:presentation>
-</file>
-
-<file path=ppt/revisionInfo.xml><?xml version="1.0" encoding="utf-8"?>
-<p1510:revInfo xmlns:a="http://schemas.openxmlformats.org/drawingml/2006/main" xmlns:r="http://schemas.openxmlformats.org/officeDocument/2006/relationships" xmlns:p1510="http://schemas.microsoft.com/office/powerpoint/2015/10/main"/>
 </file>
 
 <file path=ppt/notesMasters/notesMaster1.xml><?xml version="1.0" encoding="utf-8"?>
@@ -212,7 +209,7 @@
           <a:p>
             <a:fld id="{F5CC4B3F-88C1-4FFA-B1B6-F41C21DC6924}" type="datetimeFigureOut">
               <a:rPr lang="en-US" smtClean="0"/>
-              <a:t>7/11/2017</a:t>
+              <a:t>10/16/2018</a:t>
             </a:fld>
             <a:endParaRPr lang="en-US"/>
           </a:p>
@@ -230,8 +227,8 @@
         </p:nvSpPr>
         <p:spPr>
           <a:xfrm>
-            <a:off x="1143000" y="685800"/>
-            <a:ext cx="4572000" cy="3429000"/>
+            <a:off x="381000" y="685800"/>
+            <a:ext cx="6096000" cy="3429000"/>
           </a:xfrm>
           <a:prstGeom prst="rect">
             <a:avLst/>
@@ -508,8 +505,8 @@
         </p:nvSpPr>
         <p:spPr>
           <a:xfrm>
-            <a:off x="685800" y="2130425"/>
-            <a:ext cx="7772400" cy="1470025"/>
+            <a:off x="914400" y="2130426"/>
+            <a:ext cx="10363200" cy="1470025"/>
           </a:xfrm>
         </p:spPr>
         <p:txBody>
@@ -535,8 +532,8 @@
         </p:nvSpPr>
         <p:spPr>
           <a:xfrm>
-            <a:off x="1371600" y="3886200"/>
-            <a:ext cx="6400800" cy="1752600"/>
+            <a:off x="1828800" y="3886200"/>
+            <a:ext cx="8534400" cy="1752600"/>
           </a:xfrm>
         </p:spPr>
         <p:txBody>
@@ -658,7 +655,7 @@
           <a:p>
             <a:fld id="{78C97017-6FC3-485B-9764-EAC9E56C1D49}" type="datetimeFigureOut">
               <a:rPr lang="en-US" smtClean="0"/>
-              <a:t>7/11/2017</a:t>
+              <a:t>10/16/2018</a:t>
             </a:fld>
             <a:endParaRPr lang="en-US"/>
           </a:p>
@@ -826,7 +823,7 @@
           <a:p>
             <a:fld id="{78C97017-6FC3-485B-9764-EAC9E56C1D49}" type="datetimeFigureOut">
               <a:rPr lang="en-US" smtClean="0"/>
-              <a:t>7/11/2017</a:t>
+              <a:t>10/16/2018</a:t>
             </a:fld>
             <a:endParaRPr lang="en-US"/>
           </a:p>
@@ -916,8 +913,8 @@
         </p:nvSpPr>
         <p:spPr>
           <a:xfrm>
-            <a:off x="6629400" y="274638"/>
-            <a:ext cx="2057400" cy="5851525"/>
+            <a:off x="8839200" y="274639"/>
+            <a:ext cx="2743200" cy="5851525"/>
           </a:xfrm>
         </p:spPr>
         <p:txBody>
@@ -943,8 +940,8 @@
         </p:nvSpPr>
         <p:spPr>
           <a:xfrm>
-            <a:off x="457200" y="274638"/>
-            <a:ext cx="6019800" cy="5851525"/>
+            <a:off x="609600" y="274639"/>
+            <a:ext cx="8026400" cy="5851525"/>
           </a:xfrm>
         </p:spPr>
         <p:txBody>
@@ -1004,7 +1001,7 @@
           <a:p>
             <a:fld id="{78C97017-6FC3-485B-9764-EAC9E56C1D49}" type="datetimeFigureOut">
               <a:rPr lang="en-US" smtClean="0"/>
-              <a:t>7/11/2017</a:t>
+              <a:t>10/16/2018</a:t>
             </a:fld>
             <a:endParaRPr lang="en-US"/>
           </a:p>
@@ -1172,7 +1169,7 @@
           <a:p>
             <a:fld id="{78C97017-6FC3-485B-9764-EAC9E56C1D49}" type="datetimeFigureOut">
               <a:rPr lang="en-US" smtClean="0"/>
-              <a:t>7/11/2017</a:t>
+              <a:t>10/16/2018</a:t>
             </a:fld>
             <a:endParaRPr lang="en-US"/>
           </a:p>
@@ -1262,8 +1259,8 @@
         </p:nvSpPr>
         <p:spPr>
           <a:xfrm>
-            <a:off x="722313" y="4406900"/>
-            <a:ext cx="7772400" cy="1362075"/>
+            <a:off x="963084" y="4406901"/>
+            <a:ext cx="10363200" cy="1362075"/>
           </a:xfrm>
         </p:spPr>
         <p:txBody>
@@ -1293,8 +1290,8 @@
         </p:nvSpPr>
         <p:spPr>
           <a:xfrm>
-            <a:off x="722313" y="2906713"/>
-            <a:ext cx="7772400" cy="1500187"/>
+            <a:off x="963084" y="2906713"/>
+            <a:ext cx="10363200" cy="1500187"/>
           </a:xfrm>
         </p:spPr>
         <p:txBody>
@@ -1417,7 +1414,7 @@
           <a:p>
             <a:fld id="{78C97017-6FC3-485B-9764-EAC9E56C1D49}" type="datetimeFigureOut">
               <a:rPr lang="en-US" smtClean="0"/>
-              <a:t>7/11/2017</a:t>
+              <a:t>10/16/2018</a:t>
             </a:fld>
             <a:endParaRPr lang="en-US"/>
           </a:p>
@@ -1529,8 +1526,8 @@
         </p:nvSpPr>
         <p:spPr>
           <a:xfrm>
-            <a:off x="457200" y="1600200"/>
-            <a:ext cx="4038600" cy="4525963"/>
+            <a:off x="609600" y="1600201"/>
+            <a:ext cx="5384800" cy="4525963"/>
           </a:xfrm>
         </p:spPr>
         <p:txBody>
@@ -1613,8 +1610,8 @@
         </p:nvSpPr>
         <p:spPr>
           <a:xfrm>
-            <a:off x="4648200" y="1600200"/>
-            <a:ext cx="4038600" cy="4525963"/>
+            <a:off x="6197600" y="1600201"/>
+            <a:ext cx="5384800" cy="4525963"/>
           </a:xfrm>
         </p:spPr>
         <p:txBody>
@@ -1702,7 +1699,7 @@
           <a:p>
             <a:fld id="{78C97017-6FC3-485B-9764-EAC9E56C1D49}" type="datetimeFigureOut">
               <a:rPr lang="en-US" smtClean="0"/>
-              <a:t>7/11/2017</a:t>
+              <a:t>10/16/2018</a:t>
             </a:fld>
             <a:endParaRPr lang="en-US"/>
           </a:p>
@@ -1818,8 +1815,8 @@
         </p:nvSpPr>
         <p:spPr>
           <a:xfrm>
-            <a:off x="457200" y="1535113"/>
-            <a:ext cx="4040188" cy="639762"/>
+            <a:off x="609600" y="1535113"/>
+            <a:ext cx="5386917" cy="639762"/>
           </a:xfrm>
         </p:spPr>
         <p:txBody>
@@ -1883,8 +1880,8 @@
         </p:nvSpPr>
         <p:spPr>
           <a:xfrm>
-            <a:off x="457200" y="2174875"/>
-            <a:ext cx="4040188" cy="3951288"/>
+            <a:off x="609600" y="2174875"/>
+            <a:ext cx="5386917" cy="3951288"/>
           </a:xfrm>
         </p:spPr>
         <p:txBody>
@@ -1967,8 +1964,8 @@
         </p:nvSpPr>
         <p:spPr>
           <a:xfrm>
-            <a:off x="4645025" y="1535113"/>
-            <a:ext cx="4041775" cy="639762"/>
+            <a:off x="6193368" y="1535113"/>
+            <a:ext cx="5389033" cy="639762"/>
           </a:xfrm>
         </p:spPr>
         <p:txBody>
@@ -2032,8 +2029,8 @@
         </p:nvSpPr>
         <p:spPr>
           <a:xfrm>
-            <a:off x="4645025" y="2174875"/>
-            <a:ext cx="4041775" cy="3951288"/>
+            <a:off x="6193368" y="2174875"/>
+            <a:ext cx="5389033" cy="3951288"/>
           </a:xfrm>
         </p:spPr>
         <p:txBody>
@@ -2121,7 +2118,7 @@
           <a:p>
             <a:fld id="{78C97017-6FC3-485B-9764-EAC9E56C1D49}" type="datetimeFigureOut">
               <a:rPr lang="en-US" smtClean="0"/>
-              <a:t>7/11/2017</a:t>
+              <a:t>10/16/2018</a:t>
             </a:fld>
             <a:endParaRPr lang="en-US"/>
           </a:p>
@@ -2238,7 +2235,7 @@
           <a:p>
             <a:fld id="{78C97017-6FC3-485B-9764-EAC9E56C1D49}" type="datetimeFigureOut">
               <a:rPr lang="en-US" smtClean="0"/>
-              <a:t>7/11/2017</a:t>
+              <a:t>10/16/2018</a:t>
             </a:fld>
             <a:endParaRPr lang="en-US"/>
           </a:p>
@@ -2333,7 +2330,7 @@
           <a:p>
             <a:fld id="{78C97017-6FC3-485B-9764-EAC9E56C1D49}" type="datetimeFigureOut">
               <a:rPr lang="en-US" smtClean="0"/>
-              <a:t>7/11/2017</a:t>
+              <a:t>10/16/2018</a:t>
             </a:fld>
             <a:endParaRPr lang="en-US"/>
           </a:p>
@@ -2423,8 +2420,8 @@
         </p:nvSpPr>
         <p:spPr>
           <a:xfrm>
-            <a:off x="457200" y="273050"/>
-            <a:ext cx="3008313" cy="1162050"/>
+            <a:off x="609601" y="273050"/>
+            <a:ext cx="4011084" cy="1162050"/>
           </a:xfrm>
         </p:spPr>
         <p:txBody>
@@ -2454,8 +2451,8 @@
         </p:nvSpPr>
         <p:spPr>
           <a:xfrm>
-            <a:off x="3575050" y="273050"/>
-            <a:ext cx="5111750" cy="5853113"/>
+            <a:off x="4766733" y="273051"/>
+            <a:ext cx="6815667" cy="5853113"/>
           </a:xfrm>
         </p:spPr>
         <p:txBody>
@@ -2538,8 +2535,8 @@
         </p:nvSpPr>
         <p:spPr>
           <a:xfrm>
-            <a:off x="457200" y="1435100"/>
-            <a:ext cx="3008313" cy="4691063"/>
+            <a:off x="609601" y="1435101"/>
+            <a:ext cx="4011084" cy="4691063"/>
           </a:xfrm>
         </p:spPr>
         <p:txBody>
@@ -2608,7 +2605,7 @@
           <a:p>
             <a:fld id="{78C97017-6FC3-485B-9764-EAC9E56C1D49}" type="datetimeFigureOut">
               <a:rPr lang="en-US" smtClean="0"/>
-              <a:t>7/11/2017</a:t>
+              <a:t>10/16/2018</a:t>
             </a:fld>
             <a:endParaRPr lang="en-US"/>
           </a:p>
@@ -2698,8 +2695,8 @@
         </p:nvSpPr>
         <p:spPr>
           <a:xfrm>
-            <a:off x="1792288" y="4800600"/>
-            <a:ext cx="5486400" cy="566738"/>
+            <a:off x="2389717" y="4800600"/>
+            <a:ext cx="7315200" cy="566738"/>
           </a:xfrm>
         </p:spPr>
         <p:txBody>
@@ -2729,8 +2726,8 @@
         </p:nvSpPr>
         <p:spPr>
           <a:xfrm>
-            <a:off x="1792288" y="612775"/>
-            <a:ext cx="5486400" cy="4114800"/>
+            <a:off x="2389717" y="612775"/>
+            <a:ext cx="7315200" cy="4114800"/>
           </a:xfrm>
         </p:spPr>
         <p:txBody>
@@ -2790,8 +2787,8 @@
         </p:nvSpPr>
         <p:spPr>
           <a:xfrm>
-            <a:off x="1792288" y="5367338"/>
-            <a:ext cx="5486400" cy="804862"/>
+            <a:off x="2389717" y="5367338"/>
+            <a:ext cx="7315200" cy="804862"/>
           </a:xfrm>
         </p:spPr>
         <p:txBody>
@@ -2860,7 +2857,7 @@
           <a:p>
             <a:fld id="{78C97017-6FC3-485B-9764-EAC9E56C1D49}" type="datetimeFigureOut">
               <a:rPr lang="en-US" smtClean="0"/>
-              <a:t>7/11/2017</a:t>
+              <a:t>10/16/2018</a:t>
             </a:fld>
             <a:endParaRPr lang="en-US"/>
           </a:p>
@@ -2955,8 +2952,8 @@
         </p:nvSpPr>
         <p:spPr>
           <a:xfrm>
-            <a:off x="457200" y="274638"/>
-            <a:ext cx="8229600" cy="1143000"/>
+            <a:off x="609600" y="274638"/>
+            <a:ext cx="10972800" cy="1143000"/>
           </a:xfrm>
           <a:prstGeom prst="rect">
             <a:avLst/>
@@ -2987,8 +2984,8 @@
         </p:nvSpPr>
         <p:spPr>
           <a:xfrm>
-            <a:off x="457200" y="1600200"/>
-            <a:ext cx="8229600" cy="4525963"/>
+            <a:off x="609600" y="1600201"/>
+            <a:ext cx="10972800" cy="4525963"/>
           </a:xfrm>
           <a:prstGeom prst="rect">
             <a:avLst/>
@@ -3048,8 +3045,8 @@
         </p:nvSpPr>
         <p:spPr>
           <a:xfrm>
-            <a:off x="457200" y="6356350"/>
-            <a:ext cx="2133600" cy="365125"/>
+            <a:off x="609600" y="6356351"/>
+            <a:ext cx="2844800" cy="365125"/>
           </a:xfrm>
           <a:prstGeom prst="rect">
             <a:avLst/>
@@ -3071,7 +3068,7 @@
           <a:p>
             <a:fld id="{78C97017-6FC3-485B-9764-EAC9E56C1D49}" type="datetimeFigureOut">
               <a:rPr lang="en-US" smtClean="0"/>
-              <a:t>7/11/2017</a:t>
+              <a:t>10/16/2018</a:t>
             </a:fld>
             <a:endParaRPr lang="en-US"/>
           </a:p>
@@ -3089,8 +3086,8 @@
         </p:nvSpPr>
         <p:spPr>
           <a:xfrm>
-            <a:off x="3124200" y="6356350"/>
-            <a:ext cx="2895600" cy="365125"/>
+            <a:off x="4165600" y="6356351"/>
+            <a:ext cx="3860800" cy="365125"/>
           </a:xfrm>
           <a:prstGeom prst="rect">
             <a:avLst/>
@@ -3126,8 +3123,8 @@
         </p:nvSpPr>
         <p:spPr>
           <a:xfrm>
-            <a:off x="6553200" y="6356350"/>
-            <a:ext cx="2133600" cy="365125"/>
+            <a:off x="8737600" y="6356351"/>
+            <a:ext cx="2844800" cy="365125"/>
           </a:xfrm>
           <a:prstGeom prst="rect">
             <a:avLst/>
@@ -3454,7 +3451,7 @@
         </p:nvSpPr>
         <p:spPr>
           <a:xfrm>
-            <a:off x="685800" y="1981200"/>
+            <a:off x="914400" y="914400"/>
             <a:ext cx="7252956" cy="4000286"/>
           </a:xfrm>
           <a:prstGeom prst="roundRect">
@@ -3515,7 +3512,7 @@
         </p:nvSpPr>
         <p:spPr>
           <a:xfrm>
-            <a:off x="845045" y="2296546"/>
+            <a:off x="1073646" y="1229746"/>
             <a:ext cx="1455629" cy="346760"/>
           </a:xfrm>
           <a:prstGeom prst="rect">
@@ -3582,7 +3579,7 @@
         </p:nvCxnSpPr>
         <p:spPr>
           <a:xfrm>
-            <a:off x="1572859" y="2660217"/>
+            <a:off x="1801459" y="1593418"/>
             <a:ext cx="0" cy="2597583"/>
           </a:xfrm>
           <a:prstGeom prst="line">
@@ -3619,7 +3616,7 @@
         </p:nvSpPr>
         <p:spPr>
           <a:xfrm>
-            <a:off x="1500851" y="3010911"/>
+            <a:off x="1729451" y="1944112"/>
             <a:ext cx="152400" cy="2780287"/>
           </a:xfrm>
           <a:prstGeom prst="rect">
@@ -3666,7 +3663,7 @@
         </p:nvSpPr>
         <p:spPr>
           <a:xfrm>
-            <a:off x="2743200" y="2179309"/>
+            <a:off x="2971800" y="1112509"/>
             <a:ext cx="1219200" cy="467684"/>
           </a:xfrm>
           <a:prstGeom prst="rect">
@@ -3736,7 +3733,7 @@
         </p:nvCxnSpPr>
         <p:spPr>
           <a:xfrm>
-            <a:off x="3356599" y="2663904"/>
+            <a:off x="3585199" y="1597104"/>
             <a:ext cx="0" cy="1695374"/>
           </a:xfrm>
           <a:prstGeom prst="line">
@@ -3773,7 +3770,7 @@
         </p:nvSpPr>
         <p:spPr>
           <a:xfrm>
-            <a:off x="3284590" y="3122096"/>
+            <a:off x="3513191" y="2055297"/>
             <a:ext cx="174929" cy="1129459"/>
           </a:xfrm>
           <a:prstGeom prst="rect">
@@ -3808,11 +3805,7 @@
           <a:lstStyle/>
           <a:p>
             <a:pPr algn="ctr"/>
-            <a:endParaRPr lang="en-SG" sz="1400">
-              <a:solidFill>
-                <a:schemeClr val="dk1"/>
-              </a:solidFill>
-            </a:endParaRPr>
+            <a:endParaRPr lang="en-SG" sz="1400"/>
           </a:p>
         </p:txBody>
       </p:sp>
@@ -3824,7 +3817,7 @@
         </p:nvSpPr>
         <p:spPr>
           <a:xfrm>
-            <a:off x="6221565" y="3312740"/>
+            <a:off x="6450166" y="2245940"/>
             <a:ext cx="1093635" cy="461538"/>
           </a:xfrm>
           <a:prstGeom prst="rect">
@@ -3900,7 +3893,7 @@
         </p:nvCxnSpPr>
         <p:spPr>
           <a:xfrm>
-            <a:off x="6772574" y="3774278"/>
+            <a:off x="7001174" y="2707478"/>
             <a:ext cx="0" cy="1940722"/>
           </a:xfrm>
           <a:prstGeom prst="line">
@@ -3937,7 +3930,7 @@
         </p:nvSpPr>
         <p:spPr>
           <a:xfrm>
-            <a:off x="6696374" y="3774278"/>
+            <a:off x="6924974" y="2707479"/>
             <a:ext cx="152400" cy="276003"/>
           </a:xfrm>
           <a:prstGeom prst="rect">
@@ -3984,7 +3977,7 @@
         </p:nvCxnSpPr>
         <p:spPr>
           <a:xfrm>
-            <a:off x="381000" y="3014599"/>
+            <a:off x="609601" y="1947799"/>
             <a:ext cx="1119851" cy="0"/>
           </a:xfrm>
           <a:prstGeom prst="straightConnector1">
@@ -4020,7 +4013,7 @@
         </p:nvCxnSpPr>
         <p:spPr>
           <a:xfrm flipV="1">
-            <a:off x="1653251" y="3122097"/>
+            <a:off x="1881851" y="2055298"/>
             <a:ext cx="1596514" cy="1"/>
           </a:xfrm>
           <a:prstGeom prst="straightConnector1">
@@ -4056,7 +4049,7 @@
         </p:nvSpPr>
         <p:spPr>
           <a:xfrm>
-            <a:off x="0" y="2743200"/>
+            <a:off x="228600" y="1676400"/>
             <a:ext cx="1424846" cy="215444"/>
           </a:xfrm>
           <a:prstGeom prst="rect">
@@ -4090,7 +4083,7 @@
         </p:nvCxnSpPr>
         <p:spPr>
           <a:xfrm flipV="1">
-            <a:off x="5257218" y="3703214"/>
+            <a:off x="5485818" y="2636415"/>
             <a:ext cx="922392" cy="1"/>
           </a:xfrm>
           <a:prstGeom prst="straightConnector1">
@@ -4126,7 +4119,7 @@
         </p:nvSpPr>
         <p:spPr>
           <a:xfrm>
-            <a:off x="4257582" y="4251556"/>
+            <a:off x="4486183" y="3184756"/>
             <a:ext cx="855809" cy="215444"/>
           </a:xfrm>
           <a:prstGeom prst="rect">
@@ -4166,7 +4159,7 @@
         </p:nvCxnSpPr>
         <p:spPr>
           <a:xfrm>
-            <a:off x="5257800" y="4050281"/>
+            <a:off x="5486400" y="2983481"/>
             <a:ext cx="1492974" cy="0"/>
           </a:xfrm>
           <a:prstGeom prst="straightConnector1">
@@ -4204,7 +4197,7 @@
         </p:nvCxnSpPr>
         <p:spPr>
           <a:xfrm flipV="1">
-            <a:off x="1670186" y="4243231"/>
+            <a:off x="1898786" y="3176431"/>
             <a:ext cx="1596514" cy="5378"/>
           </a:xfrm>
           <a:prstGeom prst="straightConnector1">
@@ -4242,7 +4235,7 @@
         </p:nvCxnSpPr>
         <p:spPr>
           <a:xfrm>
-            <a:off x="304800" y="5791200"/>
+            <a:off x="533401" y="4724400"/>
             <a:ext cx="1196051" cy="0"/>
           </a:xfrm>
           <a:prstGeom prst="straightConnector1">
@@ -4280,7 +4273,7 @@
         </p:nvSpPr>
         <p:spPr>
           <a:xfrm>
-            <a:off x="8265896" y="2362200"/>
+            <a:off x="8494496" y="1295400"/>
             <a:ext cx="1030504" cy="346760"/>
           </a:xfrm>
           <a:prstGeom prst="rect">
@@ -4345,7 +4338,7 @@
         </p:nvCxnSpPr>
         <p:spPr>
           <a:xfrm>
-            <a:off x="1653251" y="4495317"/>
+            <a:off x="1881852" y="3428517"/>
             <a:ext cx="5043123" cy="0"/>
           </a:xfrm>
           <a:prstGeom prst="straightConnector1">
@@ -4381,7 +4374,7 @@
         </p:nvSpPr>
         <p:spPr>
           <a:xfrm>
-            <a:off x="6687452" y="4467000"/>
+            <a:off x="6916052" y="3400200"/>
             <a:ext cx="161322" cy="1019400"/>
           </a:xfrm>
           <a:prstGeom prst="rect">
@@ -4428,7 +4421,7 @@
         </p:nvCxnSpPr>
         <p:spPr>
           <a:xfrm>
-            <a:off x="8781148" y="2700858"/>
+            <a:off x="9009748" y="1634058"/>
             <a:ext cx="0" cy="2830598"/>
           </a:xfrm>
           <a:prstGeom prst="line">
@@ -4468,7 +4461,7 @@
         </p:nvSpPr>
         <p:spPr>
           <a:xfrm>
-            <a:off x="8686800" y="4524597"/>
+            <a:off x="8915400" y="3457798"/>
             <a:ext cx="152400" cy="199803"/>
           </a:xfrm>
           <a:prstGeom prst="rect">
@@ -4509,11 +4502,7 @@
           <a:lstStyle/>
           <a:p>
             <a:pPr algn="ctr"/>
-            <a:endParaRPr lang="en-SG" sz="1400">
-              <a:solidFill>
-                <a:schemeClr val="dk1"/>
-              </a:solidFill>
-            </a:endParaRPr>
+            <a:endParaRPr lang="en-SG" sz="1400"/>
           </a:p>
         </p:txBody>
       </p:sp>
@@ -4525,7 +4514,7 @@
         </p:nvCxnSpPr>
         <p:spPr>
           <a:xfrm>
-            <a:off x="6850663" y="4524597"/>
+            <a:off x="7079264" y="3457797"/>
             <a:ext cx="1836137" cy="0"/>
           </a:xfrm>
           <a:prstGeom prst="straightConnector1">
@@ -4561,7 +4550,7 @@
         </p:nvCxnSpPr>
         <p:spPr>
           <a:xfrm flipV="1">
-            <a:off x="6848774" y="4714650"/>
+            <a:off x="7077374" y="3647850"/>
             <a:ext cx="1838026" cy="9750"/>
           </a:xfrm>
           <a:prstGeom prst="straightConnector1">
@@ -4602,7 +4591,7 @@
         </p:nvCxnSpPr>
         <p:spPr>
           <a:xfrm>
-            <a:off x="1653251" y="5486400"/>
+            <a:off x="1881852" y="4419600"/>
             <a:ext cx="5052349" cy="0"/>
           </a:xfrm>
           <a:prstGeom prst="straightConnector1">
@@ -4640,7 +4629,7 @@
         </p:nvSpPr>
         <p:spPr>
           <a:xfrm>
-            <a:off x="6984957" y="4267200"/>
+            <a:off x="7213557" y="3200400"/>
             <a:ext cx="1424846" cy="215444"/>
           </a:xfrm>
           <a:prstGeom prst="rect">
@@ -4692,7 +4681,7 @@
         </p:nvSpPr>
         <p:spPr>
           <a:xfrm>
-            <a:off x="3847551" y="3657600"/>
+            <a:off x="4076152" y="2590800"/>
             <a:ext cx="767033" cy="184666"/>
           </a:xfrm>
           <a:prstGeom prst="rect">
@@ -4732,7 +4721,7 @@
         </p:nvSpPr>
         <p:spPr>
           <a:xfrm>
-            <a:off x="1742982" y="2850922"/>
+            <a:off x="1971582" y="1784122"/>
             <a:ext cx="1424846" cy="215444"/>
           </a:xfrm>
           <a:prstGeom prst="rect">
@@ -4772,7 +4761,7 @@
         </p:nvSpPr>
         <p:spPr>
           <a:xfrm>
-            <a:off x="4340137" y="5255323"/>
+            <a:off x="4568737" y="4188523"/>
             <a:ext cx="621216" cy="215444"/>
           </a:xfrm>
           <a:prstGeom prst="rect">
@@ -4812,7 +4801,7 @@
         </p:nvSpPr>
         <p:spPr>
           <a:xfrm>
-            <a:off x="599983" y="5538488"/>
+            <a:off x="828583" y="4471688"/>
             <a:ext cx="762000" cy="215444"/>
           </a:xfrm>
           <a:prstGeom prst="rect">
@@ -4852,7 +4841,7 @@
         </p:nvSpPr>
         <p:spPr>
           <a:xfrm>
-            <a:off x="7020246" y="4777286"/>
+            <a:off x="7248846" y="3710486"/>
             <a:ext cx="1590354" cy="461538"/>
           </a:xfrm>
           <a:prstGeom prst="rect">
@@ -4919,7 +4908,7 @@
         </p:nvSpPr>
         <p:spPr>
           <a:xfrm>
-            <a:off x="7777323" y="5238824"/>
+            <a:off x="8005923" y="4172024"/>
             <a:ext cx="152400" cy="171376"/>
           </a:xfrm>
           <a:prstGeom prst="rect">
@@ -4966,7 +4955,7 @@
         </p:nvCxnSpPr>
         <p:spPr>
           <a:xfrm>
-            <a:off x="6858000" y="5410200"/>
+            <a:off x="7086600" y="4343400"/>
             <a:ext cx="966624" cy="0"/>
           </a:xfrm>
           <a:prstGeom prst="straightConnector1">
@@ -5004,7 +4993,7 @@
         </p:nvSpPr>
         <p:spPr>
           <a:xfrm>
-            <a:off x="2673845" y="4027787"/>
+            <a:off x="2902446" y="2960987"/>
             <a:ext cx="220343" cy="215444"/>
           </a:xfrm>
           <a:prstGeom prst="rect">
@@ -5044,7 +5033,7 @@
         </p:nvSpPr>
         <p:spPr>
           <a:xfrm>
-            <a:off x="4231981" y="2929839"/>
+            <a:off x="4460582" y="1863040"/>
             <a:ext cx="1778201" cy="432035"/>
           </a:xfrm>
           <a:prstGeom prst="rect">
@@ -5127,7 +5116,7 @@
         </p:nvCxnSpPr>
         <p:spPr>
           <a:xfrm>
-            <a:off x="3462591" y="3657600"/>
+            <a:off x="3691191" y="2590801"/>
             <a:ext cx="1597356" cy="1"/>
           </a:xfrm>
           <a:prstGeom prst="straightConnector1">
@@ -5161,7 +5150,7 @@
         </p:nvSpPr>
         <p:spPr>
           <a:xfrm>
-            <a:off x="5059947" y="3352800"/>
+            <a:off x="5288548" y="2286001"/>
             <a:ext cx="205843" cy="123165"/>
           </a:xfrm>
           <a:prstGeom prst="rect">
@@ -5210,7 +5199,7 @@
         </p:nvCxnSpPr>
         <p:spPr>
           <a:xfrm>
-            <a:off x="5162869" y="3352800"/>
+            <a:off x="5391469" y="2286000"/>
             <a:ext cx="0" cy="990600"/>
           </a:xfrm>
           <a:prstGeom prst="line">
@@ -5247,7 +5236,7 @@
         </p:nvSpPr>
         <p:spPr>
           <a:xfrm>
-            <a:off x="5059947" y="3657601"/>
+            <a:off x="5288548" y="2590801"/>
             <a:ext cx="205843" cy="533400"/>
           </a:xfrm>
           <a:prstGeom prst="rect">
@@ -5294,7 +5283,7 @@
         </p:nvCxnSpPr>
         <p:spPr>
           <a:xfrm>
-            <a:off x="3499382" y="4185073"/>
+            <a:off x="3727983" y="3118273"/>
             <a:ext cx="1667219" cy="0"/>
           </a:xfrm>
           <a:prstGeom prst="straightConnector1">
@@ -5332,7 +5321,7 @@
         </p:nvCxnSpPr>
         <p:spPr>
           <a:xfrm>
-            <a:off x="6858000" y="5029200"/>
+            <a:off x="7086600" y="3962400"/>
             <a:ext cx="162246" cy="0"/>
           </a:xfrm>
           <a:prstGeom prst="straightConnector1">
@@ -5366,7 +5355,7 @@
         </p:nvCxnSpPr>
         <p:spPr>
           <a:xfrm>
-            <a:off x="3412425" y="3173004"/>
+            <a:off x="3641025" y="2106205"/>
             <a:ext cx="819556" cy="1"/>
           </a:xfrm>
           <a:prstGeom prst="straightConnector1">
@@ -5402,7 +5391,7 @@
         </p:nvCxnSpPr>
         <p:spPr>
           <a:xfrm>
-            <a:off x="3459519" y="3475965"/>
+            <a:off x="3688119" y="2409165"/>
             <a:ext cx="1600428" cy="0"/>
           </a:xfrm>
           <a:prstGeom prst="straightConnector1">
@@ -5440,7 +5429,7 @@
         </p:nvSpPr>
         <p:spPr>
           <a:xfrm>
-            <a:off x="5033665" y="4199590"/>
+            <a:off x="5262265" y="3132790"/>
             <a:ext cx="258404" cy="261610"/>
           </a:xfrm>
           <a:prstGeom prst="rect">
@@ -5469,6 +5458,3051 @@
     <p:extLst>
       <p:ext uri="{BB962C8B-B14F-4D97-AF65-F5344CB8AC3E}">
         <p14:creationId xmlns:p14="http://schemas.microsoft.com/office/powerpoint/2010/main" val="3945898909"/>
+      </p:ext>
+    </p:extLst>
+  </p:cSld>
+  <p:clrMapOvr>
+    <a:masterClrMapping/>
+  </p:clrMapOvr>
+</p:sld>
+</file>
+
+<file path=ppt/slides/slide2.xml><?xml version="1.0" encoding="utf-8"?>
+<p:sld xmlns:a="http://schemas.openxmlformats.org/drawingml/2006/main" xmlns:r="http://schemas.openxmlformats.org/officeDocument/2006/relationships" xmlns:p="http://schemas.openxmlformats.org/presentationml/2006/main">
+  <p:cSld>
+    <p:spTree>
+      <p:nvGrpSpPr>
+        <p:cNvPr id="1" name=""/>
+        <p:cNvGrpSpPr/>
+        <p:nvPr/>
+      </p:nvGrpSpPr>
+      <p:grpSpPr>
+        <a:xfrm>
+          <a:off x="0" y="0"/>
+          <a:ext cx="0" cy="0"/>
+          <a:chOff x="0" y="0"/>
+          <a:chExt cx="0" cy="0"/>
+        </a:xfrm>
+      </p:grpSpPr>
+      <p:sp>
+        <p:nvSpPr>
+          <p:cNvPr id="2" name="Rectangle 65">
+            <a:extLst>
+              <a:ext uri="{FF2B5EF4-FFF2-40B4-BE49-F238E27FC236}">
+                <a16:creationId xmlns:a16="http://schemas.microsoft.com/office/drawing/2014/main" id="{36D196FB-EEB2-48F0-9921-0C578ACB556C}"/>
+              </a:ext>
+            </a:extLst>
+          </p:cNvPr>
+          <p:cNvSpPr/>
+          <p:nvPr/>
+        </p:nvSpPr>
+        <p:spPr>
+          <a:xfrm>
+            <a:off x="914399" y="914399"/>
+            <a:ext cx="7842984" cy="4800595"/>
+          </a:xfrm>
+          <a:prstGeom prst="roundRect">
+            <a:avLst>
+              <a:gd name="adj" fmla="val 3484"/>
+            </a:avLst>
+          </a:prstGeom>
+          <a:solidFill>
+            <a:schemeClr val="accent1">
+              <a:lumMod val="20000"/>
+              <a:lumOff val="80000"/>
+            </a:schemeClr>
+          </a:solidFill>
+          <a:ln w="19050">
+            <a:noFill/>
+          </a:ln>
+          <a:effectLst/>
+        </p:spPr>
+        <p:style>
+          <a:lnRef idx="1">
+            <a:schemeClr val="accent2"/>
+          </a:lnRef>
+          <a:fillRef idx="2">
+            <a:schemeClr val="accent2"/>
+          </a:fillRef>
+          <a:effectRef idx="1">
+            <a:schemeClr val="accent2"/>
+          </a:effectRef>
+          <a:fontRef idx="minor">
+            <a:schemeClr val="dk1"/>
+          </a:fontRef>
+        </p:style>
+        <p:txBody>
+          <a:bodyPr rtlCol="0" anchor="t"/>
+          <a:lstStyle/>
+          <a:p>
+            <a:r>
+              <a:rPr lang="en-US" sz="1200" b="1">
+                <a:solidFill>
+                  <a:srgbClr val="0070C0"/>
+                </a:solidFill>
+              </a:rPr>
+              <a:t>Logic</a:t>
+            </a:r>
+            <a:endParaRPr lang="en-SG" sz="1200" b="1" dirty="0">
+              <a:solidFill>
+                <a:srgbClr val="0070C0"/>
+              </a:solidFill>
+            </a:endParaRPr>
+          </a:p>
+        </p:txBody>
+      </p:sp>
+      <p:sp>
+        <p:nvSpPr>
+          <p:cNvPr id="3" name="Rectangle 62">
+            <a:extLst>
+              <a:ext uri="{FF2B5EF4-FFF2-40B4-BE49-F238E27FC236}">
+                <a16:creationId xmlns:a16="http://schemas.microsoft.com/office/drawing/2014/main" id="{24168553-86EB-4F26-A43B-4E4D6055568F}"/>
+              </a:ext>
+            </a:extLst>
+          </p:cNvPr>
+          <p:cNvSpPr/>
+          <p:nvPr/>
+        </p:nvSpPr>
+        <p:spPr>
+          <a:xfrm>
+            <a:off x="1073646" y="1229746"/>
+            <a:ext cx="1455629" cy="346760"/>
+          </a:xfrm>
+          <a:prstGeom prst="rect">
+            <a:avLst/>
+          </a:prstGeom>
+          <a:solidFill>
+            <a:srgbClr val="0070C0"/>
+          </a:solidFill>
+          <a:ln w="19050">
+            <a:solidFill>
+              <a:srgbClr val="0070C0"/>
+            </a:solidFill>
+          </a:ln>
+          <a:effectLst/>
+        </p:spPr>
+        <p:style>
+          <a:lnRef idx="1">
+            <a:schemeClr val="accent2"/>
+          </a:lnRef>
+          <a:fillRef idx="2">
+            <a:schemeClr val="accent2"/>
+          </a:fillRef>
+          <a:effectRef idx="1">
+            <a:schemeClr val="accent2"/>
+          </a:effectRef>
+          <a:fontRef idx="minor">
+            <a:schemeClr val="dk1"/>
+          </a:fontRef>
+        </p:style>
+        <p:txBody>
+          <a:bodyPr rtlCol="0" anchor="ctr"/>
+          <a:lstStyle/>
+          <a:p>
+            <a:pPr algn="ctr"/>
+            <a:r>
+              <a:rPr lang="en-US" sz="1600" dirty="0">
+                <a:solidFill>
+                  <a:schemeClr val="bg1"/>
+                </a:solidFill>
+              </a:rPr>
+              <a:t>:</a:t>
+            </a:r>
+            <a:r>
+              <a:rPr lang="en-US" sz="1600" dirty="0" err="1">
+                <a:solidFill>
+                  <a:schemeClr val="bg1"/>
+                </a:solidFill>
+              </a:rPr>
+              <a:t>LogicManager</a:t>
+            </a:r>
+            <a:endParaRPr lang="en-SG" sz="1600" dirty="0">
+              <a:solidFill>
+                <a:schemeClr val="bg1"/>
+              </a:solidFill>
+            </a:endParaRPr>
+          </a:p>
+        </p:txBody>
+      </p:sp>
+      <p:cxnSp>
+        <p:nvCxnSpPr>
+          <p:cNvPr id="4" name="Straight Connector 3">
+            <a:extLst>
+              <a:ext uri="{FF2B5EF4-FFF2-40B4-BE49-F238E27FC236}">
+                <a16:creationId xmlns:a16="http://schemas.microsoft.com/office/drawing/2014/main" id="{CBFF4934-2B7C-474F-B14F-61B89E2B98F3}"/>
+              </a:ext>
+            </a:extLst>
+          </p:cNvPr>
+          <p:cNvCxnSpPr/>
+          <p:nvPr/>
+        </p:nvCxnSpPr>
+        <p:spPr>
+          <a:xfrm>
+            <a:off x="1801459" y="1593418"/>
+            <a:ext cx="0" cy="2597583"/>
+          </a:xfrm>
+          <a:prstGeom prst="line">
+            <a:avLst/>
+          </a:prstGeom>
+          <a:ln w="19050">
+            <a:solidFill>
+              <a:srgbClr val="0070C0"/>
+            </a:solidFill>
+            <a:prstDash val="sysDash"/>
+          </a:ln>
+          <a:effectLst/>
+        </p:spPr>
+        <p:style>
+          <a:lnRef idx="1">
+            <a:schemeClr val="accent1"/>
+          </a:lnRef>
+          <a:fillRef idx="2">
+            <a:schemeClr val="accent1"/>
+          </a:fillRef>
+          <a:effectRef idx="1">
+            <a:schemeClr val="accent1"/>
+          </a:effectRef>
+          <a:fontRef idx="minor">
+            <a:schemeClr val="dk1"/>
+          </a:fontRef>
+        </p:style>
+      </p:cxnSp>
+      <p:sp>
+        <p:nvSpPr>
+          <p:cNvPr id="5" name="Rectangle 4">
+            <a:extLst>
+              <a:ext uri="{FF2B5EF4-FFF2-40B4-BE49-F238E27FC236}">
+                <a16:creationId xmlns:a16="http://schemas.microsoft.com/office/drawing/2014/main" id="{325EC3D1-5C7A-4DFA-B1D1-34F829CC05B3}"/>
+              </a:ext>
+            </a:extLst>
+          </p:cNvPr>
+          <p:cNvSpPr/>
+          <p:nvPr/>
+        </p:nvSpPr>
+        <p:spPr>
+          <a:xfrm>
+            <a:off x="1729451" y="1944112"/>
+            <a:ext cx="117574" cy="3678763"/>
+          </a:xfrm>
+          <a:prstGeom prst="rect">
+            <a:avLst/>
+          </a:prstGeom>
+          <a:solidFill>
+            <a:srgbClr val="0070C0"/>
+          </a:solidFill>
+          <a:ln>
+            <a:solidFill>
+              <a:srgbClr val="0070C0"/>
+            </a:solidFill>
+          </a:ln>
+          <a:effectLst/>
+        </p:spPr>
+        <p:style>
+          <a:lnRef idx="1">
+            <a:schemeClr val="accent3"/>
+          </a:lnRef>
+          <a:fillRef idx="2">
+            <a:schemeClr val="accent3"/>
+          </a:fillRef>
+          <a:effectRef idx="1">
+            <a:schemeClr val="accent3"/>
+          </a:effectRef>
+          <a:fontRef idx="minor">
+            <a:schemeClr val="dk1"/>
+          </a:fontRef>
+        </p:style>
+        <p:txBody>
+          <a:bodyPr rtlCol="0" anchor="ctr"/>
+          <a:lstStyle/>
+          <a:p>
+            <a:pPr algn="ctr"/>
+            <a:endParaRPr lang="en-SG" sz="1400"/>
+          </a:p>
+        </p:txBody>
+      </p:sp>
+      <p:sp>
+        <p:nvSpPr>
+          <p:cNvPr id="6" name="Rectangle 62">
+            <a:extLst>
+              <a:ext uri="{FF2B5EF4-FFF2-40B4-BE49-F238E27FC236}">
+                <a16:creationId xmlns:a16="http://schemas.microsoft.com/office/drawing/2014/main" id="{568F51F0-0AA1-47AA-8788-D9E483A08DEC}"/>
+              </a:ext>
+            </a:extLst>
+          </p:cNvPr>
+          <p:cNvSpPr/>
+          <p:nvPr/>
+        </p:nvSpPr>
+        <p:spPr>
+          <a:xfrm>
+            <a:off x="2971800" y="1112509"/>
+            <a:ext cx="1219200" cy="467684"/>
+          </a:xfrm>
+          <a:prstGeom prst="rect">
+            <a:avLst/>
+          </a:prstGeom>
+          <a:solidFill>
+            <a:srgbClr val="0070C0"/>
+          </a:solidFill>
+          <a:ln w="19050">
+            <a:solidFill>
+              <a:srgbClr val="0070C0"/>
+            </a:solidFill>
+          </a:ln>
+          <a:effectLst/>
+        </p:spPr>
+        <p:style>
+          <a:lnRef idx="1">
+            <a:schemeClr val="accent2"/>
+          </a:lnRef>
+          <a:fillRef idx="2">
+            <a:schemeClr val="accent2"/>
+          </a:fillRef>
+          <a:effectRef idx="1">
+            <a:schemeClr val="accent2"/>
+          </a:effectRef>
+          <a:fontRef idx="minor">
+            <a:schemeClr val="dk1"/>
+          </a:fontRef>
+        </p:style>
+        <p:txBody>
+          <a:bodyPr rtlCol="0" anchor="ctr"/>
+          <a:lstStyle/>
+          <a:p>
+            <a:pPr algn="ctr"/>
+            <a:r>
+              <a:rPr lang="en-US" sz="1600" dirty="0">
+                <a:solidFill>
+                  <a:schemeClr val="bg1"/>
+                </a:solidFill>
+              </a:rPr>
+              <a:t>:Address</a:t>
+            </a:r>
+          </a:p>
+          <a:p>
+            <a:pPr algn="ctr"/>
+            <a:r>
+              <a:rPr lang="en-US" sz="1600" dirty="0" err="1">
+                <a:solidFill>
+                  <a:schemeClr val="bg1"/>
+                </a:solidFill>
+              </a:rPr>
+              <a:t>BookParser</a:t>
+            </a:r>
+            <a:endParaRPr lang="en-SG" sz="1600" dirty="0">
+              <a:solidFill>
+                <a:schemeClr val="bg1"/>
+              </a:solidFill>
+            </a:endParaRPr>
+          </a:p>
+        </p:txBody>
+      </p:sp>
+      <p:cxnSp>
+        <p:nvCxnSpPr>
+          <p:cNvPr id="7" name="Straight Connector 6">
+            <a:extLst>
+              <a:ext uri="{FF2B5EF4-FFF2-40B4-BE49-F238E27FC236}">
+                <a16:creationId xmlns:a16="http://schemas.microsoft.com/office/drawing/2014/main" id="{66E7E12C-EA43-42F8-83DE-272D0F201D18}"/>
+              </a:ext>
+            </a:extLst>
+          </p:cNvPr>
+          <p:cNvCxnSpPr/>
+          <p:nvPr/>
+        </p:nvCxnSpPr>
+        <p:spPr>
+          <a:xfrm>
+            <a:off x="3585199" y="1597104"/>
+            <a:ext cx="0" cy="1695374"/>
+          </a:xfrm>
+          <a:prstGeom prst="line">
+            <a:avLst/>
+          </a:prstGeom>
+          <a:ln w="19050">
+            <a:solidFill>
+              <a:srgbClr val="0070C0"/>
+            </a:solidFill>
+            <a:prstDash val="sysDash"/>
+          </a:ln>
+          <a:effectLst/>
+        </p:spPr>
+        <p:style>
+          <a:lnRef idx="1">
+            <a:schemeClr val="accent1"/>
+          </a:lnRef>
+          <a:fillRef idx="2">
+            <a:schemeClr val="accent1"/>
+          </a:fillRef>
+          <a:effectRef idx="1">
+            <a:schemeClr val="accent1"/>
+          </a:effectRef>
+          <a:fontRef idx="minor">
+            <a:schemeClr val="dk1"/>
+          </a:fontRef>
+        </p:style>
+      </p:cxnSp>
+      <p:sp>
+        <p:nvSpPr>
+          <p:cNvPr id="8" name="Rectangle 7">
+            <a:extLst>
+              <a:ext uri="{FF2B5EF4-FFF2-40B4-BE49-F238E27FC236}">
+                <a16:creationId xmlns:a16="http://schemas.microsoft.com/office/drawing/2014/main" id="{27340F4D-935D-4E74-8B72-82CC82BE0F3D}"/>
+              </a:ext>
+            </a:extLst>
+          </p:cNvPr>
+          <p:cNvSpPr/>
+          <p:nvPr/>
+        </p:nvSpPr>
+        <p:spPr>
+          <a:xfrm>
+            <a:off x="3513191" y="2055297"/>
+            <a:ext cx="174929" cy="1129459"/>
+          </a:xfrm>
+          <a:prstGeom prst="rect">
+            <a:avLst/>
+          </a:prstGeom>
+          <a:solidFill>
+            <a:srgbClr val="0070C0"/>
+          </a:solidFill>
+          <a:ln>
+            <a:solidFill>
+              <a:srgbClr val="0070C0"/>
+            </a:solidFill>
+          </a:ln>
+          <a:effectLst/>
+        </p:spPr>
+        <p:style>
+          <a:lnRef idx="1">
+            <a:schemeClr val="accent3"/>
+          </a:lnRef>
+          <a:fillRef idx="2">
+            <a:schemeClr val="accent3"/>
+          </a:fillRef>
+          <a:effectRef idx="1">
+            <a:schemeClr val="accent3"/>
+          </a:effectRef>
+          <a:fontRef idx="minor">
+            <a:schemeClr val="dk1"/>
+          </a:fontRef>
+        </p:style>
+        <p:txBody>
+          <a:bodyPr rtlCol="0" anchor="ctr"/>
+          <a:lstStyle/>
+          <a:p>
+            <a:pPr algn="ctr"/>
+            <a:endParaRPr lang="en-SG" sz="1400"/>
+          </a:p>
+        </p:txBody>
+      </p:sp>
+      <p:sp>
+        <p:nvSpPr>
+          <p:cNvPr id="9" name="Rectangle 62">
+            <a:extLst>
+              <a:ext uri="{FF2B5EF4-FFF2-40B4-BE49-F238E27FC236}">
+                <a16:creationId xmlns:a16="http://schemas.microsoft.com/office/drawing/2014/main" id="{A2B6EDEF-2569-4DF4-A515-C4EC9C682355}"/>
+              </a:ext>
+            </a:extLst>
+          </p:cNvPr>
+          <p:cNvSpPr/>
+          <p:nvPr/>
+        </p:nvSpPr>
+        <p:spPr>
+          <a:xfrm>
+            <a:off x="6450166" y="2245940"/>
+            <a:ext cx="1093635" cy="461538"/>
+          </a:xfrm>
+          <a:prstGeom prst="rect">
+            <a:avLst/>
+          </a:prstGeom>
+          <a:solidFill>
+            <a:srgbClr val="0070C0"/>
+          </a:solidFill>
+          <a:ln w="19050">
+            <a:solidFill>
+              <a:srgbClr val="0070C0"/>
+            </a:solidFill>
+          </a:ln>
+          <a:effectLst/>
+        </p:spPr>
+        <p:style>
+          <a:lnRef idx="1">
+            <a:schemeClr val="accent2"/>
+          </a:lnRef>
+          <a:fillRef idx="2">
+            <a:schemeClr val="accent2"/>
+          </a:fillRef>
+          <a:effectRef idx="1">
+            <a:schemeClr val="accent2"/>
+          </a:effectRef>
+          <a:fontRef idx="minor">
+            <a:schemeClr val="dk1"/>
+          </a:fontRef>
+        </p:style>
+        <p:txBody>
+          <a:bodyPr rtlCol="0" anchor="ctr"/>
+          <a:lstStyle/>
+          <a:p>
+            <a:pPr algn="ctr"/>
+            <a:r>
+              <a:rPr lang="en-US" sz="1600" dirty="0">
+                <a:solidFill>
+                  <a:schemeClr val="bg1"/>
+                </a:solidFill>
+              </a:rPr>
+              <a:t>d:Delete</a:t>
+            </a:r>
+            <a:br>
+              <a:rPr lang="en-US" sz="1600" dirty="0">
+                <a:solidFill>
+                  <a:schemeClr val="bg1"/>
+                </a:solidFill>
+              </a:rPr>
+            </a:br>
+            <a:r>
+              <a:rPr lang="en-US" sz="1600" dirty="0">
+                <a:solidFill>
+                  <a:schemeClr val="bg1"/>
+                </a:solidFill>
+              </a:rPr>
+              <a:t>Command</a:t>
+            </a:r>
+            <a:endParaRPr lang="en-SG" sz="1600" dirty="0">
+              <a:solidFill>
+                <a:schemeClr val="bg1"/>
+              </a:solidFill>
+            </a:endParaRPr>
+          </a:p>
+        </p:txBody>
+      </p:sp>
+      <p:cxnSp>
+        <p:nvCxnSpPr>
+          <p:cNvPr id="10" name="Straight Connector 9">
+            <a:extLst>
+              <a:ext uri="{FF2B5EF4-FFF2-40B4-BE49-F238E27FC236}">
+                <a16:creationId xmlns:a16="http://schemas.microsoft.com/office/drawing/2014/main" id="{5D51DC27-A604-43E4-9A36-7D15486E1AA6}"/>
+              </a:ext>
+            </a:extLst>
+          </p:cNvPr>
+          <p:cNvCxnSpPr>
+            <a:cxnSpLocks/>
+            <a:stCxn id="11" idx="0"/>
+          </p:cNvCxnSpPr>
+          <p:nvPr/>
+        </p:nvCxnSpPr>
+        <p:spPr>
+          <a:xfrm flipH="1">
+            <a:off x="6988599" y="2707479"/>
+            <a:ext cx="12575" cy="3236121"/>
+          </a:xfrm>
+          <a:prstGeom prst="line">
+            <a:avLst/>
+          </a:prstGeom>
+          <a:ln w="19050">
+            <a:solidFill>
+              <a:srgbClr val="0070C0"/>
+            </a:solidFill>
+            <a:prstDash val="sysDash"/>
+          </a:ln>
+          <a:effectLst/>
+        </p:spPr>
+        <p:style>
+          <a:lnRef idx="1">
+            <a:schemeClr val="accent1"/>
+          </a:lnRef>
+          <a:fillRef idx="2">
+            <a:schemeClr val="accent1"/>
+          </a:fillRef>
+          <a:effectRef idx="1">
+            <a:schemeClr val="accent1"/>
+          </a:effectRef>
+          <a:fontRef idx="minor">
+            <a:schemeClr val="dk1"/>
+          </a:fontRef>
+        </p:style>
+      </p:cxnSp>
+      <p:sp>
+        <p:nvSpPr>
+          <p:cNvPr id="11" name="Rectangle 10">
+            <a:extLst>
+              <a:ext uri="{FF2B5EF4-FFF2-40B4-BE49-F238E27FC236}">
+                <a16:creationId xmlns:a16="http://schemas.microsoft.com/office/drawing/2014/main" id="{21BFEBBD-F13D-4521-ABEA-E26879DB21A5}"/>
+              </a:ext>
+            </a:extLst>
+          </p:cNvPr>
+          <p:cNvSpPr/>
+          <p:nvPr/>
+        </p:nvSpPr>
+        <p:spPr>
+          <a:xfrm>
+            <a:off x="6924974" y="2707479"/>
+            <a:ext cx="152400" cy="276003"/>
+          </a:xfrm>
+          <a:prstGeom prst="rect">
+            <a:avLst/>
+          </a:prstGeom>
+          <a:solidFill>
+            <a:srgbClr val="0070C0"/>
+          </a:solidFill>
+          <a:ln>
+            <a:solidFill>
+              <a:srgbClr val="0070C0"/>
+            </a:solidFill>
+          </a:ln>
+          <a:effectLst/>
+        </p:spPr>
+        <p:style>
+          <a:lnRef idx="1">
+            <a:schemeClr val="accent3"/>
+          </a:lnRef>
+          <a:fillRef idx="2">
+            <a:schemeClr val="accent3"/>
+          </a:fillRef>
+          <a:effectRef idx="1">
+            <a:schemeClr val="accent3"/>
+          </a:effectRef>
+          <a:fontRef idx="minor">
+            <a:schemeClr val="dk1"/>
+          </a:fontRef>
+        </p:style>
+        <p:txBody>
+          <a:bodyPr rtlCol="0" anchor="ctr"/>
+          <a:lstStyle/>
+          <a:p>
+            <a:pPr algn="ctr"/>
+            <a:endParaRPr lang="en-SG" sz="1400"/>
+          </a:p>
+        </p:txBody>
+      </p:sp>
+      <p:cxnSp>
+        <p:nvCxnSpPr>
+          <p:cNvPr id="12" name="Straight Arrow Connector 11">
+            <a:extLst>
+              <a:ext uri="{FF2B5EF4-FFF2-40B4-BE49-F238E27FC236}">
+                <a16:creationId xmlns:a16="http://schemas.microsoft.com/office/drawing/2014/main" id="{B7C262F1-AA1F-4B39-9DE1-149F4806F2D0}"/>
+              </a:ext>
+            </a:extLst>
+          </p:cNvPr>
+          <p:cNvCxnSpPr/>
+          <p:nvPr/>
+        </p:nvCxnSpPr>
+        <p:spPr>
+          <a:xfrm>
+            <a:off x="609601" y="1947799"/>
+            <a:ext cx="1119851" cy="0"/>
+          </a:xfrm>
+          <a:prstGeom prst="straightConnector1">
+            <a:avLst/>
+          </a:prstGeom>
+          <a:ln w="19050">
+            <a:solidFill>
+              <a:srgbClr val="00B050"/>
+            </a:solidFill>
+            <a:tailEnd type="arrow"/>
+          </a:ln>
+        </p:spPr>
+        <p:style>
+          <a:lnRef idx="1">
+            <a:schemeClr val="accent1"/>
+          </a:lnRef>
+          <a:fillRef idx="0">
+            <a:schemeClr val="accent1"/>
+          </a:fillRef>
+          <a:effectRef idx="0">
+            <a:schemeClr val="accent1"/>
+          </a:effectRef>
+          <a:fontRef idx="minor">
+            <a:schemeClr val="tx1"/>
+          </a:fontRef>
+        </p:style>
+      </p:cxnSp>
+      <p:cxnSp>
+        <p:nvCxnSpPr>
+          <p:cNvPr id="13" name="Straight Arrow Connector 12">
+            <a:extLst>
+              <a:ext uri="{FF2B5EF4-FFF2-40B4-BE49-F238E27FC236}">
+                <a16:creationId xmlns:a16="http://schemas.microsoft.com/office/drawing/2014/main" id="{4D32CE99-238C-487C-A240-6575EA74585B}"/>
+              </a:ext>
+            </a:extLst>
+          </p:cNvPr>
+          <p:cNvCxnSpPr/>
+          <p:nvPr/>
+        </p:nvCxnSpPr>
+        <p:spPr>
+          <a:xfrm flipV="1">
+            <a:off x="1881851" y="2055298"/>
+            <a:ext cx="1596514" cy="1"/>
+          </a:xfrm>
+          <a:prstGeom prst="straightConnector1">
+            <a:avLst/>
+          </a:prstGeom>
+          <a:ln w="19050">
+            <a:solidFill>
+              <a:srgbClr val="0070C0"/>
+            </a:solidFill>
+            <a:tailEnd type="arrow"/>
+          </a:ln>
+        </p:spPr>
+        <p:style>
+          <a:lnRef idx="1">
+            <a:schemeClr val="accent1"/>
+          </a:lnRef>
+          <a:fillRef idx="0">
+            <a:schemeClr val="accent1"/>
+          </a:fillRef>
+          <a:effectRef idx="0">
+            <a:schemeClr val="accent1"/>
+          </a:effectRef>
+          <a:fontRef idx="minor">
+            <a:schemeClr val="tx1"/>
+          </a:fontRef>
+        </p:style>
+      </p:cxnSp>
+      <p:sp>
+        <p:nvSpPr>
+          <p:cNvPr id="14" name="TextBox 13">
+            <a:extLst>
+              <a:ext uri="{FF2B5EF4-FFF2-40B4-BE49-F238E27FC236}">
+                <a16:creationId xmlns:a16="http://schemas.microsoft.com/office/drawing/2014/main" id="{643CF434-BFFD-43B1-897E-7CEE95D48213}"/>
+              </a:ext>
+            </a:extLst>
+          </p:cNvPr>
+          <p:cNvSpPr txBox="1"/>
+          <p:nvPr/>
+        </p:nvSpPr>
+        <p:spPr>
+          <a:xfrm>
+            <a:off x="228600" y="1676400"/>
+            <a:ext cx="1424846" cy="215444"/>
+          </a:xfrm>
+          <a:prstGeom prst="rect">
+            <a:avLst/>
+          </a:prstGeom>
+          <a:noFill/>
+        </p:spPr>
+        <p:txBody>
+          <a:bodyPr wrap="square" lIns="0" tIns="0" rIns="0" bIns="0" rtlCol="0">
+            <a:spAutoFit/>
+          </a:bodyPr>
+          <a:lstStyle/>
+          <a:p>
+            <a:pPr algn="r"/>
+            <a:r>
+              <a:rPr lang="en-US" sz="1400" dirty="0">
+                <a:solidFill>
+                  <a:srgbClr val="0070C0"/>
+                </a:solidFill>
+              </a:rPr>
+              <a:t>execute(“delete 1”)</a:t>
+            </a:r>
+          </a:p>
+        </p:txBody>
+      </p:sp>
+      <p:cxnSp>
+        <p:nvCxnSpPr>
+          <p:cNvPr id="15" name="Straight Arrow Connector 14">
+            <a:extLst>
+              <a:ext uri="{FF2B5EF4-FFF2-40B4-BE49-F238E27FC236}">
+                <a16:creationId xmlns:a16="http://schemas.microsoft.com/office/drawing/2014/main" id="{243CAA27-2185-432D-B394-C011BC326744}"/>
+              </a:ext>
+            </a:extLst>
+          </p:cNvPr>
+          <p:cNvCxnSpPr/>
+          <p:nvPr/>
+        </p:nvCxnSpPr>
+        <p:spPr>
+          <a:xfrm flipV="1">
+            <a:off x="5485818" y="2636415"/>
+            <a:ext cx="922392" cy="1"/>
+          </a:xfrm>
+          <a:prstGeom prst="straightConnector1">
+            <a:avLst/>
+          </a:prstGeom>
+          <a:ln w="19050">
+            <a:solidFill>
+              <a:srgbClr val="0070C0"/>
+            </a:solidFill>
+            <a:tailEnd type="arrow"/>
+          </a:ln>
+        </p:spPr>
+        <p:style>
+          <a:lnRef idx="1">
+            <a:schemeClr val="accent1"/>
+          </a:lnRef>
+          <a:fillRef idx="0">
+            <a:schemeClr val="accent1"/>
+          </a:fillRef>
+          <a:effectRef idx="0">
+            <a:schemeClr val="accent1"/>
+          </a:effectRef>
+          <a:fontRef idx="minor">
+            <a:schemeClr val="tx1"/>
+          </a:fontRef>
+        </p:style>
+      </p:cxnSp>
+      <p:sp>
+        <p:nvSpPr>
+          <p:cNvPr id="16" name="TextBox 15">
+            <a:extLst>
+              <a:ext uri="{FF2B5EF4-FFF2-40B4-BE49-F238E27FC236}">
+                <a16:creationId xmlns:a16="http://schemas.microsoft.com/office/drawing/2014/main" id="{36F43488-1943-4030-9437-42F7703CDD92}"/>
+              </a:ext>
+            </a:extLst>
+          </p:cNvPr>
+          <p:cNvSpPr txBox="1"/>
+          <p:nvPr/>
+        </p:nvSpPr>
+        <p:spPr>
+          <a:xfrm>
+            <a:off x="4486183" y="3184756"/>
+            <a:ext cx="855809" cy="215444"/>
+          </a:xfrm>
+          <a:prstGeom prst="rect">
+            <a:avLst/>
+          </a:prstGeom>
+          <a:noFill/>
+        </p:spPr>
+        <p:txBody>
+          <a:bodyPr wrap="square" lIns="0" tIns="0" rIns="0" bIns="0" rtlCol="0">
+            <a:spAutoFit/>
+          </a:bodyPr>
+          <a:lstStyle>
+            <a:defPPr>
+              <a:defRPr lang="en-US"/>
+            </a:defPPr>
+            <a:lvl1pPr algn="r">
+              <a:defRPr sz="1400">
+                <a:solidFill>
+                  <a:srgbClr val="0070C0"/>
+                </a:solidFill>
+              </a:defRPr>
+            </a:lvl1pPr>
+          </a:lstStyle>
+          <a:p>
+            <a:r>
+              <a:rPr lang="en-US" dirty="0"/>
+              <a:t>execute()</a:t>
+            </a:r>
+          </a:p>
+        </p:txBody>
+      </p:sp>
+      <p:cxnSp>
+        <p:nvCxnSpPr>
+          <p:cNvPr id="17" name="Straight Arrow Connector 16">
+            <a:extLst>
+              <a:ext uri="{FF2B5EF4-FFF2-40B4-BE49-F238E27FC236}">
+                <a16:creationId xmlns:a16="http://schemas.microsoft.com/office/drawing/2014/main" id="{62182CA6-3E98-4F69-A6EB-A2463FE33EE8}"/>
+              </a:ext>
+            </a:extLst>
+          </p:cNvPr>
+          <p:cNvCxnSpPr/>
+          <p:nvPr/>
+        </p:nvCxnSpPr>
+        <p:spPr>
+          <a:xfrm>
+            <a:off x="5486400" y="2983481"/>
+            <a:ext cx="1492974" cy="0"/>
+          </a:xfrm>
+          <a:prstGeom prst="straightConnector1">
+            <a:avLst/>
+          </a:prstGeom>
+          <a:ln w="19050">
+            <a:solidFill>
+              <a:srgbClr val="0070C0"/>
+            </a:solidFill>
+            <a:prstDash val="sysDash"/>
+            <a:headEnd type="arrow" w="med" len="med"/>
+            <a:tailEnd type="none" w="med" len="med"/>
+          </a:ln>
+        </p:spPr>
+        <p:style>
+          <a:lnRef idx="1">
+            <a:schemeClr val="accent1"/>
+          </a:lnRef>
+          <a:fillRef idx="0">
+            <a:schemeClr val="accent1"/>
+          </a:fillRef>
+          <a:effectRef idx="0">
+            <a:schemeClr val="accent1"/>
+          </a:effectRef>
+          <a:fontRef idx="minor">
+            <a:schemeClr val="tx1"/>
+          </a:fontRef>
+        </p:style>
+      </p:cxnSp>
+      <p:cxnSp>
+        <p:nvCxnSpPr>
+          <p:cNvPr id="18" name="Straight Arrow Connector 17">
+            <a:extLst>
+              <a:ext uri="{FF2B5EF4-FFF2-40B4-BE49-F238E27FC236}">
+                <a16:creationId xmlns:a16="http://schemas.microsoft.com/office/drawing/2014/main" id="{4EA33FB2-7317-488C-8D84-3288B2A9EE00}"/>
+              </a:ext>
+            </a:extLst>
+          </p:cNvPr>
+          <p:cNvCxnSpPr/>
+          <p:nvPr/>
+        </p:nvCxnSpPr>
+        <p:spPr>
+          <a:xfrm flipV="1">
+            <a:off x="1898786" y="3176431"/>
+            <a:ext cx="1596514" cy="5378"/>
+          </a:xfrm>
+          <a:prstGeom prst="straightConnector1">
+            <a:avLst/>
+          </a:prstGeom>
+          <a:ln w="19050">
+            <a:solidFill>
+              <a:srgbClr val="0070C0"/>
+            </a:solidFill>
+            <a:prstDash val="sysDash"/>
+            <a:headEnd type="arrow" w="med" len="med"/>
+            <a:tailEnd type="none" w="med" len="med"/>
+          </a:ln>
+        </p:spPr>
+        <p:style>
+          <a:lnRef idx="1">
+            <a:schemeClr val="accent1"/>
+          </a:lnRef>
+          <a:fillRef idx="0">
+            <a:schemeClr val="accent1"/>
+          </a:fillRef>
+          <a:effectRef idx="0">
+            <a:schemeClr val="accent1"/>
+          </a:effectRef>
+          <a:fontRef idx="minor">
+            <a:schemeClr val="tx1"/>
+          </a:fontRef>
+        </p:style>
+      </p:cxnSp>
+      <p:cxnSp>
+        <p:nvCxnSpPr>
+          <p:cNvPr id="19" name="Straight Arrow Connector 18">
+            <a:extLst>
+              <a:ext uri="{FF2B5EF4-FFF2-40B4-BE49-F238E27FC236}">
+                <a16:creationId xmlns:a16="http://schemas.microsoft.com/office/drawing/2014/main" id="{963732E7-809C-49E9-889E-0F11DC2DAAE7}"/>
+              </a:ext>
+            </a:extLst>
+          </p:cNvPr>
+          <p:cNvCxnSpPr/>
+          <p:nvPr/>
+        </p:nvCxnSpPr>
+        <p:spPr>
+          <a:xfrm>
+            <a:off x="533401" y="5638800"/>
+            <a:ext cx="1196051" cy="0"/>
+          </a:xfrm>
+          <a:prstGeom prst="straightConnector1">
+            <a:avLst/>
+          </a:prstGeom>
+          <a:ln w="19050">
+            <a:solidFill>
+              <a:schemeClr val="accent1"/>
+            </a:solidFill>
+            <a:prstDash val="sysDash"/>
+            <a:headEnd type="arrow" w="med" len="med"/>
+            <a:tailEnd type="none" w="med" len="med"/>
+          </a:ln>
+        </p:spPr>
+        <p:style>
+          <a:lnRef idx="1">
+            <a:schemeClr val="accent1"/>
+          </a:lnRef>
+          <a:fillRef idx="0">
+            <a:schemeClr val="accent1"/>
+          </a:fillRef>
+          <a:effectRef idx="0">
+            <a:schemeClr val="accent1"/>
+          </a:effectRef>
+          <a:fontRef idx="minor">
+            <a:schemeClr val="tx1"/>
+          </a:fontRef>
+        </p:style>
+      </p:cxnSp>
+      <p:sp>
+        <p:nvSpPr>
+          <p:cNvPr id="20" name="Rectangle 62">
+            <a:extLst>
+              <a:ext uri="{FF2B5EF4-FFF2-40B4-BE49-F238E27FC236}">
+                <a16:creationId xmlns:a16="http://schemas.microsoft.com/office/drawing/2014/main" id="{E46B2B97-AF16-4149-ABE1-80D72C5DDB85}"/>
+              </a:ext>
+            </a:extLst>
+          </p:cNvPr>
+          <p:cNvSpPr/>
+          <p:nvPr/>
+        </p:nvSpPr>
+        <p:spPr>
+          <a:xfrm>
+            <a:off x="11009096" y="1295400"/>
+            <a:ext cx="1030504" cy="346760"/>
+          </a:xfrm>
+          <a:prstGeom prst="rect">
+            <a:avLst/>
+          </a:prstGeom>
+          <a:solidFill>
+            <a:schemeClr val="accent4">
+              <a:lumMod val="60000"/>
+              <a:lumOff val="40000"/>
+            </a:schemeClr>
+          </a:solidFill>
+          <a:ln w="19050">
+            <a:solidFill>
+              <a:schemeClr val="accent4">
+                <a:lumMod val="60000"/>
+                <a:lumOff val="40000"/>
+              </a:schemeClr>
+            </a:solidFill>
+          </a:ln>
+          <a:effectLst/>
+        </p:spPr>
+        <p:style>
+          <a:lnRef idx="1">
+            <a:schemeClr val="accent2"/>
+          </a:lnRef>
+          <a:fillRef idx="2">
+            <a:schemeClr val="accent2"/>
+          </a:fillRef>
+          <a:effectRef idx="1">
+            <a:schemeClr val="accent2"/>
+          </a:effectRef>
+          <a:fontRef idx="minor">
+            <a:schemeClr val="dk1"/>
+          </a:fontRef>
+        </p:style>
+        <p:txBody>
+          <a:bodyPr rtlCol="0" anchor="ctr"/>
+          <a:lstStyle/>
+          <a:p>
+            <a:pPr algn="ctr"/>
+            <a:r>
+              <a:rPr lang="en-US" sz="1600" dirty="0">
+                <a:solidFill>
+                  <a:schemeClr val="bg1"/>
+                </a:solidFill>
+              </a:rPr>
+              <a:t>:Model</a:t>
+            </a:r>
+            <a:endParaRPr lang="en-SG" sz="1600" dirty="0">
+              <a:solidFill>
+                <a:schemeClr val="bg1"/>
+              </a:solidFill>
+            </a:endParaRPr>
+          </a:p>
+        </p:txBody>
+      </p:sp>
+      <p:cxnSp>
+        <p:nvCxnSpPr>
+          <p:cNvPr id="21" name="Straight Arrow Connector 20">
+            <a:extLst>
+              <a:ext uri="{FF2B5EF4-FFF2-40B4-BE49-F238E27FC236}">
+                <a16:creationId xmlns:a16="http://schemas.microsoft.com/office/drawing/2014/main" id="{8B162879-2A93-4F9C-B63A-2047EFB1DEAF}"/>
+              </a:ext>
+            </a:extLst>
+          </p:cNvPr>
+          <p:cNvCxnSpPr/>
+          <p:nvPr/>
+        </p:nvCxnSpPr>
+        <p:spPr>
+          <a:xfrm>
+            <a:off x="1881852" y="3428517"/>
+            <a:ext cx="5043123" cy="0"/>
+          </a:xfrm>
+          <a:prstGeom prst="straightConnector1">
+            <a:avLst/>
+          </a:prstGeom>
+          <a:ln w="19050">
+            <a:solidFill>
+              <a:srgbClr val="0070C0"/>
+            </a:solidFill>
+            <a:tailEnd type="arrow"/>
+          </a:ln>
+        </p:spPr>
+        <p:style>
+          <a:lnRef idx="1">
+            <a:schemeClr val="accent1"/>
+          </a:lnRef>
+          <a:fillRef idx="0">
+            <a:schemeClr val="accent1"/>
+          </a:fillRef>
+          <a:effectRef idx="0">
+            <a:schemeClr val="accent1"/>
+          </a:effectRef>
+          <a:fontRef idx="minor">
+            <a:schemeClr val="tx1"/>
+          </a:fontRef>
+        </p:style>
+      </p:cxnSp>
+      <p:cxnSp>
+        <p:nvCxnSpPr>
+          <p:cNvPr id="23" name="Straight Connector 22">
+            <a:extLst>
+              <a:ext uri="{FF2B5EF4-FFF2-40B4-BE49-F238E27FC236}">
+                <a16:creationId xmlns:a16="http://schemas.microsoft.com/office/drawing/2014/main" id="{F182AB41-F608-4B91-819C-4CE597B31364}"/>
+              </a:ext>
+            </a:extLst>
+          </p:cNvPr>
+          <p:cNvCxnSpPr>
+            <a:cxnSpLocks/>
+            <a:stCxn id="20" idx="2"/>
+          </p:cNvCxnSpPr>
+          <p:nvPr/>
+        </p:nvCxnSpPr>
+        <p:spPr>
+          <a:xfrm>
+            <a:off x="11524348" y="1642160"/>
+            <a:ext cx="0" cy="3158440"/>
+          </a:xfrm>
+          <a:prstGeom prst="line">
+            <a:avLst/>
+          </a:prstGeom>
+          <a:ln w="19050">
+            <a:solidFill>
+              <a:schemeClr val="accent4">
+                <a:lumMod val="60000"/>
+                <a:lumOff val="40000"/>
+              </a:schemeClr>
+            </a:solidFill>
+            <a:prstDash val="sysDash"/>
+          </a:ln>
+          <a:effectLst/>
+        </p:spPr>
+        <p:style>
+          <a:lnRef idx="1">
+            <a:schemeClr val="accent1"/>
+          </a:lnRef>
+          <a:fillRef idx="2">
+            <a:schemeClr val="accent1"/>
+          </a:fillRef>
+          <a:effectRef idx="1">
+            <a:schemeClr val="accent1"/>
+          </a:effectRef>
+          <a:fontRef idx="minor">
+            <a:schemeClr val="dk1"/>
+          </a:fontRef>
+        </p:style>
+      </p:cxnSp>
+      <p:sp>
+        <p:nvSpPr>
+          <p:cNvPr id="24" name="Rectangle 23">
+            <a:extLst>
+              <a:ext uri="{FF2B5EF4-FFF2-40B4-BE49-F238E27FC236}">
+                <a16:creationId xmlns:a16="http://schemas.microsoft.com/office/drawing/2014/main" id="{A93280D5-2416-4CDE-B448-FE8D293668F0}"/>
+              </a:ext>
+            </a:extLst>
+          </p:cNvPr>
+          <p:cNvSpPr/>
+          <p:nvPr/>
+        </p:nvSpPr>
+        <p:spPr>
+          <a:xfrm>
+            <a:off x="11430000" y="4012393"/>
+            <a:ext cx="152400" cy="567017"/>
+          </a:xfrm>
+          <a:prstGeom prst="rect">
+            <a:avLst/>
+          </a:prstGeom>
+          <a:solidFill>
+            <a:schemeClr val="accent4">
+              <a:lumMod val="60000"/>
+              <a:lumOff val="40000"/>
+            </a:schemeClr>
+          </a:solidFill>
+          <a:ln>
+            <a:solidFill>
+              <a:schemeClr val="accent4">
+                <a:lumMod val="60000"/>
+                <a:lumOff val="40000"/>
+              </a:schemeClr>
+            </a:solidFill>
+          </a:ln>
+          <a:effectLst/>
+        </p:spPr>
+        <p:style>
+          <a:lnRef idx="1">
+            <a:schemeClr val="accent3"/>
+          </a:lnRef>
+          <a:fillRef idx="2">
+            <a:schemeClr val="accent3"/>
+          </a:fillRef>
+          <a:effectRef idx="1">
+            <a:schemeClr val="accent3"/>
+          </a:effectRef>
+          <a:fontRef idx="minor">
+            <a:schemeClr val="dk1"/>
+          </a:fontRef>
+        </p:style>
+        <p:txBody>
+          <a:bodyPr rtlCol="0" anchor="ctr"/>
+          <a:lstStyle/>
+          <a:p>
+            <a:pPr algn="ctr"/>
+            <a:endParaRPr lang="en-SG" sz="1400"/>
+          </a:p>
+        </p:txBody>
+      </p:sp>
+      <p:cxnSp>
+        <p:nvCxnSpPr>
+          <p:cNvPr id="26" name="Straight Arrow Connector 25">
+            <a:extLst>
+              <a:ext uri="{FF2B5EF4-FFF2-40B4-BE49-F238E27FC236}">
+                <a16:creationId xmlns:a16="http://schemas.microsoft.com/office/drawing/2014/main" id="{478EF5DA-BC04-40EA-8B13-6B48D1C9D7E2}"/>
+              </a:ext>
+            </a:extLst>
+          </p:cNvPr>
+          <p:cNvCxnSpPr>
+            <a:cxnSpLocks/>
+            <a:endCxn id="24" idx="2"/>
+          </p:cNvCxnSpPr>
+          <p:nvPr/>
+        </p:nvCxnSpPr>
+        <p:spPr>
+          <a:xfrm>
+            <a:off x="7095522" y="4579410"/>
+            <a:ext cx="4410678" cy="0"/>
+          </a:xfrm>
+          <a:prstGeom prst="straightConnector1">
+            <a:avLst/>
+          </a:prstGeom>
+          <a:ln w="19050">
+            <a:solidFill>
+              <a:schemeClr val="accent4">
+                <a:lumMod val="60000"/>
+                <a:lumOff val="40000"/>
+              </a:schemeClr>
+            </a:solidFill>
+            <a:prstDash val="sysDash"/>
+            <a:headEnd type="arrow" w="med" len="med"/>
+            <a:tailEnd type="none" w="med" len="med"/>
+          </a:ln>
+        </p:spPr>
+        <p:style>
+          <a:lnRef idx="1">
+            <a:schemeClr val="accent1"/>
+          </a:lnRef>
+          <a:fillRef idx="0">
+            <a:schemeClr val="accent1"/>
+          </a:fillRef>
+          <a:effectRef idx="0">
+            <a:schemeClr val="accent1"/>
+          </a:effectRef>
+          <a:fontRef idx="minor">
+            <a:schemeClr val="tx1"/>
+          </a:fontRef>
+        </p:style>
+      </p:cxnSp>
+      <p:cxnSp>
+        <p:nvCxnSpPr>
+          <p:cNvPr id="27" name="Straight Arrow Connector 26">
+            <a:extLst>
+              <a:ext uri="{FF2B5EF4-FFF2-40B4-BE49-F238E27FC236}">
+                <a16:creationId xmlns:a16="http://schemas.microsoft.com/office/drawing/2014/main" id="{C4CF3543-EBA2-45F1-9D98-4B5739C484A4}"/>
+              </a:ext>
+            </a:extLst>
+          </p:cNvPr>
+          <p:cNvCxnSpPr/>
+          <p:nvPr/>
+        </p:nvCxnSpPr>
+        <p:spPr>
+          <a:xfrm>
+            <a:off x="1881852" y="5410200"/>
+            <a:ext cx="5052349" cy="0"/>
+          </a:xfrm>
+          <a:prstGeom prst="straightConnector1">
+            <a:avLst/>
+          </a:prstGeom>
+          <a:ln w="19050">
+            <a:solidFill>
+              <a:srgbClr val="0070C0"/>
+            </a:solidFill>
+            <a:prstDash val="sysDash"/>
+            <a:headEnd type="arrow" w="med" len="med"/>
+            <a:tailEnd type="none" w="med" len="med"/>
+          </a:ln>
+        </p:spPr>
+        <p:style>
+          <a:lnRef idx="1">
+            <a:schemeClr val="accent1"/>
+          </a:lnRef>
+          <a:fillRef idx="0">
+            <a:schemeClr val="accent1"/>
+          </a:fillRef>
+          <a:effectRef idx="0">
+            <a:schemeClr val="accent1"/>
+          </a:effectRef>
+          <a:fontRef idx="minor">
+            <a:schemeClr val="tx1"/>
+          </a:fontRef>
+        </p:style>
+      </p:cxnSp>
+      <p:sp>
+        <p:nvSpPr>
+          <p:cNvPr id="29" name="TextBox 28">
+            <a:extLst>
+              <a:ext uri="{FF2B5EF4-FFF2-40B4-BE49-F238E27FC236}">
+                <a16:creationId xmlns:a16="http://schemas.microsoft.com/office/drawing/2014/main" id="{0A45292B-DDA3-4309-AEA1-57805F63AF0A}"/>
+              </a:ext>
+            </a:extLst>
+          </p:cNvPr>
+          <p:cNvSpPr txBox="1"/>
+          <p:nvPr/>
+        </p:nvSpPr>
+        <p:spPr>
+          <a:xfrm>
+            <a:off x="4076152" y="2590800"/>
+            <a:ext cx="767033" cy="184666"/>
+          </a:xfrm>
+          <a:prstGeom prst="rect">
+            <a:avLst/>
+          </a:prstGeom>
+          <a:noFill/>
+        </p:spPr>
+        <p:txBody>
+          <a:bodyPr wrap="square" lIns="0" tIns="0" rIns="0" bIns="0" rtlCol="0">
+            <a:spAutoFit/>
+          </a:bodyPr>
+          <a:lstStyle>
+            <a:defPPr>
+              <a:defRPr lang="en-US"/>
+            </a:defPPr>
+            <a:lvl1pPr algn="r">
+              <a:defRPr sz="1400">
+                <a:solidFill>
+                  <a:srgbClr val="0070C0"/>
+                </a:solidFill>
+              </a:defRPr>
+            </a:lvl1pPr>
+          </a:lstStyle>
+          <a:p>
+            <a:r>
+              <a:rPr lang="en-US" sz="1200" dirty="0"/>
+              <a:t>parse(“1”)</a:t>
+            </a:r>
+          </a:p>
+        </p:txBody>
+      </p:sp>
+      <p:sp>
+        <p:nvSpPr>
+          <p:cNvPr id="30" name="TextBox 29">
+            <a:extLst>
+              <a:ext uri="{FF2B5EF4-FFF2-40B4-BE49-F238E27FC236}">
+                <a16:creationId xmlns:a16="http://schemas.microsoft.com/office/drawing/2014/main" id="{FAC624B1-334E-4322-A53F-FAD71920CAB2}"/>
+              </a:ext>
+            </a:extLst>
+          </p:cNvPr>
+          <p:cNvSpPr txBox="1"/>
+          <p:nvPr/>
+        </p:nvSpPr>
+        <p:spPr>
+          <a:xfrm>
+            <a:off x="1971582" y="1784122"/>
+            <a:ext cx="1424846" cy="215444"/>
+          </a:xfrm>
+          <a:prstGeom prst="rect">
+            <a:avLst/>
+          </a:prstGeom>
+          <a:noFill/>
+        </p:spPr>
+        <p:txBody>
+          <a:bodyPr wrap="square" lIns="0" tIns="0" rIns="0" bIns="0" rtlCol="0">
+            <a:spAutoFit/>
+          </a:bodyPr>
+          <a:lstStyle>
+            <a:defPPr>
+              <a:defRPr lang="en-US"/>
+            </a:defPPr>
+            <a:lvl1pPr algn="r">
+              <a:defRPr sz="1400">
+                <a:solidFill>
+                  <a:srgbClr val="0070C0"/>
+                </a:solidFill>
+              </a:defRPr>
+            </a:lvl1pPr>
+          </a:lstStyle>
+          <a:p>
+            <a:r>
+              <a:rPr lang="en-US" dirty="0"/>
+              <a:t>parse(“delete 1”)</a:t>
+            </a:r>
+          </a:p>
+        </p:txBody>
+      </p:sp>
+      <p:sp>
+        <p:nvSpPr>
+          <p:cNvPr id="31" name="TextBox 30">
+            <a:extLst>
+              <a:ext uri="{FF2B5EF4-FFF2-40B4-BE49-F238E27FC236}">
+                <a16:creationId xmlns:a16="http://schemas.microsoft.com/office/drawing/2014/main" id="{37E2714D-196F-46C7-9E21-CCA88D657858}"/>
+              </a:ext>
+            </a:extLst>
+          </p:cNvPr>
+          <p:cNvSpPr txBox="1"/>
+          <p:nvPr/>
+        </p:nvSpPr>
+        <p:spPr>
+          <a:xfrm>
+            <a:off x="4568737" y="5179123"/>
+            <a:ext cx="621216" cy="215444"/>
+          </a:xfrm>
+          <a:prstGeom prst="rect">
+            <a:avLst/>
+          </a:prstGeom>
+          <a:noFill/>
+        </p:spPr>
+        <p:txBody>
+          <a:bodyPr wrap="square" lIns="0" tIns="0" rIns="0" bIns="0" rtlCol="0">
+            <a:spAutoFit/>
+          </a:bodyPr>
+          <a:lstStyle>
+            <a:defPPr>
+              <a:defRPr lang="en-US"/>
+            </a:defPPr>
+            <a:lvl1pPr algn="r">
+              <a:defRPr sz="1400">
+                <a:solidFill>
+                  <a:srgbClr val="0070C0"/>
+                </a:solidFill>
+              </a:defRPr>
+            </a:lvl1pPr>
+          </a:lstStyle>
+          <a:p>
+            <a:r>
+              <a:rPr lang="en-US" dirty="0"/>
+              <a:t>result</a:t>
+            </a:r>
+          </a:p>
+        </p:txBody>
+      </p:sp>
+      <p:sp>
+        <p:nvSpPr>
+          <p:cNvPr id="32" name="TextBox 31">
+            <a:extLst>
+              <a:ext uri="{FF2B5EF4-FFF2-40B4-BE49-F238E27FC236}">
+                <a16:creationId xmlns:a16="http://schemas.microsoft.com/office/drawing/2014/main" id="{EF5442FA-5B04-42AD-AF6B-FC535AC43D1B}"/>
+              </a:ext>
+            </a:extLst>
+          </p:cNvPr>
+          <p:cNvSpPr txBox="1"/>
+          <p:nvPr/>
+        </p:nvSpPr>
+        <p:spPr>
+          <a:xfrm>
+            <a:off x="828583" y="5386088"/>
+            <a:ext cx="762000" cy="215444"/>
+          </a:xfrm>
+          <a:prstGeom prst="rect">
+            <a:avLst/>
+          </a:prstGeom>
+          <a:noFill/>
+        </p:spPr>
+        <p:txBody>
+          <a:bodyPr wrap="square" lIns="0" tIns="0" rIns="0" bIns="0" rtlCol="0">
+            <a:spAutoFit/>
+          </a:bodyPr>
+          <a:lstStyle>
+            <a:defPPr>
+              <a:defRPr lang="en-US"/>
+            </a:defPPr>
+            <a:lvl1pPr algn="r">
+              <a:defRPr sz="1400">
+                <a:solidFill>
+                  <a:srgbClr val="0070C0"/>
+                </a:solidFill>
+              </a:defRPr>
+            </a:lvl1pPr>
+          </a:lstStyle>
+          <a:p>
+            <a:r>
+              <a:rPr lang="en-US" dirty="0"/>
+              <a:t>result</a:t>
+            </a:r>
+          </a:p>
+        </p:txBody>
+      </p:sp>
+      <p:sp>
+        <p:nvSpPr>
+          <p:cNvPr id="33" name="Rectangle 62">
+            <a:extLst>
+              <a:ext uri="{FF2B5EF4-FFF2-40B4-BE49-F238E27FC236}">
+                <a16:creationId xmlns:a16="http://schemas.microsoft.com/office/drawing/2014/main" id="{55FD7FD0-EDF9-4179-B047-984BB102F1D9}"/>
+              </a:ext>
+            </a:extLst>
+          </p:cNvPr>
+          <p:cNvSpPr/>
+          <p:nvPr/>
+        </p:nvSpPr>
+        <p:spPr>
+          <a:xfrm>
+            <a:off x="7248846" y="4648200"/>
+            <a:ext cx="1407382" cy="461538"/>
+          </a:xfrm>
+          <a:prstGeom prst="rect">
+            <a:avLst/>
+          </a:prstGeom>
+          <a:solidFill>
+            <a:srgbClr val="0070C0"/>
+          </a:solidFill>
+          <a:ln w="19050">
+            <a:solidFill>
+              <a:srgbClr val="0070C0"/>
+            </a:solidFill>
+          </a:ln>
+          <a:effectLst/>
+        </p:spPr>
+        <p:style>
+          <a:lnRef idx="1">
+            <a:schemeClr val="accent2"/>
+          </a:lnRef>
+          <a:fillRef idx="2">
+            <a:schemeClr val="accent2"/>
+          </a:fillRef>
+          <a:effectRef idx="1">
+            <a:schemeClr val="accent2"/>
+          </a:effectRef>
+          <a:fontRef idx="minor">
+            <a:schemeClr val="dk1"/>
+          </a:fontRef>
+        </p:style>
+        <p:txBody>
+          <a:bodyPr rtlCol="0" anchor="ctr"/>
+          <a:lstStyle/>
+          <a:p>
+            <a:pPr algn="ctr"/>
+            <a:r>
+              <a:rPr lang="en-US" sz="1400" dirty="0" err="1">
+                <a:solidFill>
+                  <a:schemeClr val="bg1"/>
+                </a:solidFill>
+              </a:rPr>
+              <a:t>result:Command</a:t>
+            </a:r>
+            <a:r>
+              <a:rPr lang="en-US" sz="1400" dirty="0">
+                <a:solidFill>
+                  <a:schemeClr val="bg1"/>
+                </a:solidFill>
+              </a:rPr>
+              <a:t> Result</a:t>
+            </a:r>
+            <a:endParaRPr lang="en-SG" sz="1400" dirty="0">
+              <a:solidFill>
+                <a:schemeClr val="bg1"/>
+              </a:solidFill>
+            </a:endParaRPr>
+          </a:p>
+        </p:txBody>
+      </p:sp>
+      <p:sp>
+        <p:nvSpPr>
+          <p:cNvPr id="34" name="Rectangle 33">
+            <a:extLst>
+              <a:ext uri="{FF2B5EF4-FFF2-40B4-BE49-F238E27FC236}">
+                <a16:creationId xmlns:a16="http://schemas.microsoft.com/office/drawing/2014/main" id="{1949069F-219C-43CE-BCEB-476DC28BA9E1}"/>
+              </a:ext>
+            </a:extLst>
+          </p:cNvPr>
+          <p:cNvSpPr/>
+          <p:nvPr/>
+        </p:nvSpPr>
+        <p:spPr>
+          <a:xfrm>
+            <a:off x="8005923" y="5109738"/>
+            <a:ext cx="152400" cy="171376"/>
+          </a:xfrm>
+          <a:prstGeom prst="rect">
+            <a:avLst/>
+          </a:prstGeom>
+          <a:solidFill>
+            <a:srgbClr val="0070C0"/>
+          </a:solidFill>
+          <a:ln>
+            <a:solidFill>
+              <a:srgbClr val="0070C0"/>
+            </a:solidFill>
+          </a:ln>
+          <a:effectLst/>
+        </p:spPr>
+        <p:style>
+          <a:lnRef idx="1">
+            <a:schemeClr val="accent3"/>
+          </a:lnRef>
+          <a:fillRef idx="2">
+            <a:schemeClr val="accent3"/>
+          </a:fillRef>
+          <a:effectRef idx="1">
+            <a:schemeClr val="accent3"/>
+          </a:effectRef>
+          <a:fontRef idx="minor">
+            <a:schemeClr val="dk1"/>
+          </a:fontRef>
+        </p:style>
+        <p:txBody>
+          <a:bodyPr rtlCol="0" anchor="ctr"/>
+          <a:lstStyle/>
+          <a:p>
+            <a:pPr algn="ctr"/>
+            <a:endParaRPr lang="en-SG" sz="1400"/>
+          </a:p>
+        </p:txBody>
+      </p:sp>
+      <p:cxnSp>
+        <p:nvCxnSpPr>
+          <p:cNvPr id="35" name="Straight Arrow Connector 34">
+            <a:extLst>
+              <a:ext uri="{FF2B5EF4-FFF2-40B4-BE49-F238E27FC236}">
+                <a16:creationId xmlns:a16="http://schemas.microsoft.com/office/drawing/2014/main" id="{87B7D5BC-6DF4-43E4-A662-3F9D10C29E15}"/>
+              </a:ext>
+            </a:extLst>
+          </p:cNvPr>
+          <p:cNvCxnSpPr/>
+          <p:nvPr/>
+        </p:nvCxnSpPr>
+        <p:spPr>
+          <a:xfrm>
+            <a:off x="7086600" y="5281114"/>
+            <a:ext cx="966624" cy="0"/>
+          </a:xfrm>
+          <a:prstGeom prst="straightConnector1">
+            <a:avLst/>
+          </a:prstGeom>
+          <a:ln w="19050">
+            <a:solidFill>
+              <a:srgbClr val="0070C0"/>
+            </a:solidFill>
+            <a:prstDash val="sysDash"/>
+            <a:headEnd type="arrow" w="med" len="med"/>
+            <a:tailEnd type="none" w="med" len="med"/>
+          </a:ln>
+        </p:spPr>
+        <p:style>
+          <a:lnRef idx="1">
+            <a:schemeClr val="accent1"/>
+          </a:lnRef>
+          <a:fillRef idx="0">
+            <a:schemeClr val="accent1"/>
+          </a:fillRef>
+          <a:effectRef idx="0">
+            <a:schemeClr val="accent1"/>
+          </a:effectRef>
+          <a:fontRef idx="minor">
+            <a:schemeClr val="tx1"/>
+          </a:fontRef>
+        </p:style>
+      </p:cxnSp>
+      <p:sp>
+        <p:nvSpPr>
+          <p:cNvPr id="36" name="TextBox 35">
+            <a:extLst>
+              <a:ext uri="{FF2B5EF4-FFF2-40B4-BE49-F238E27FC236}">
+                <a16:creationId xmlns:a16="http://schemas.microsoft.com/office/drawing/2014/main" id="{5B7202AF-2C25-4193-ADC2-ED07FD7AA8D7}"/>
+              </a:ext>
+            </a:extLst>
+          </p:cNvPr>
+          <p:cNvSpPr txBox="1"/>
+          <p:nvPr/>
+        </p:nvSpPr>
+        <p:spPr>
+          <a:xfrm>
+            <a:off x="2902446" y="2960987"/>
+            <a:ext cx="220343" cy="215444"/>
+          </a:xfrm>
+          <a:prstGeom prst="rect">
+            <a:avLst/>
+          </a:prstGeom>
+          <a:noFill/>
+        </p:spPr>
+        <p:txBody>
+          <a:bodyPr wrap="square" lIns="0" tIns="0" rIns="0" bIns="0" rtlCol="0">
+            <a:spAutoFit/>
+          </a:bodyPr>
+          <a:lstStyle>
+            <a:defPPr>
+              <a:defRPr lang="en-US"/>
+            </a:defPPr>
+            <a:lvl1pPr algn="r">
+              <a:defRPr sz="1400">
+                <a:solidFill>
+                  <a:srgbClr val="0070C0"/>
+                </a:solidFill>
+              </a:defRPr>
+            </a:lvl1pPr>
+          </a:lstStyle>
+          <a:p>
+            <a:r>
+              <a:rPr lang="en-US" dirty="0"/>
+              <a:t>d</a:t>
+            </a:r>
+          </a:p>
+        </p:txBody>
+      </p:sp>
+      <p:sp>
+        <p:nvSpPr>
+          <p:cNvPr id="37" name="Rectangle 62">
+            <a:extLst>
+              <a:ext uri="{FF2B5EF4-FFF2-40B4-BE49-F238E27FC236}">
+                <a16:creationId xmlns:a16="http://schemas.microsoft.com/office/drawing/2014/main" id="{321721D4-A2B3-4A8E-93E1-16175179CEA1}"/>
+              </a:ext>
+            </a:extLst>
+          </p:cNvPr>
+          <p:cNvSpPr/>
+          <p:nvPr/>
+        </p:nvSpPr>
+        <p:spPr>
+          <a:xfrm>
+            <a:off x="4460582" y="1863040"/>
+            <a:ext cx="1778201" cy="432035"/>
+          </a:xfrm>
+          <a:prstGeom prst="rect">
+            <a:avLst/>
+          </a:prstGeom>
+          <a:solidFill>
+            <a:srgbClr val="0070C0"/>
+          </a:solidFill>
+          <a:ln w="19050">
+            <a:solidFill>
+              <a:srgbClr val="0070C0"/>
+            </a:solidFill>
+          </a:ln>
+          <a:effectLst/>
+        </p:spPr>
+        <p:style>
+          <a:lnRef idx="1">
+            <a:schemeClr val="accent2"/>
+          </a:lnRef>
+          <a:fillRef idx="2">
+            <a:schemeClr val="accent2"/>
+          </a:fillRef>
+          <a:effectRef idx="1">
+            <a:schemeClr val="accent2"/>
+          </a:effectRef>
+          <a:fontRef idx="minor">
+            <a:schemeClr val="dk1"/>
+          </a:fontRef>
+        </p:style>
+        <p:txBody>
+          <a:bodyPr rtlCol="0" anchor="ctr"/>
+          <a:lstStyle/>
+          <a:p>
+            <a:pPr algn="ctr"/>
+            <a:r>
+              <a:rPr lang="en-US" sz="1600" dirty="0">
+                <a:solidFill>
+                  <a:schemeClr val="bg1"/>
+                </a:solidFill>
+              </a:rPr>
+              <a:t>:</a:t>
+            </a:r>
+            <a:r>
+              <a:rPr lang="en-US" sz="1600" dirty="0" err="1">
+                <a:solidFill>
+                  <a:schemeClr val="bg1"/>
+                </a:solidFill>
+              </a:rPr>
+              <a:t>DeleteCommand</a:t>
+            </a:r>
+            <a:endParaRPr lang="en-US" sz="1600" dirty="0">
+              <a:solidFill>
+                <a:schemeClr val="bg1"/>
+              </a:solidFill>
+            </a:endParaRPr>
+          </a:p>
+          <a:p>
+            <a:pPr algn="ctr"/>
+            <a:r>
+              <a:rPr lang="en-US" sz="1600" dirty="0">
+                <a:solidFill>
+                  <a:schemeClr val="bg1"/>
+                </a:solidFill>
+              </a:rPr>
+              <a:t>Parser</a:t>
+            </a:r>
+            <a:endParaRPr lang="en-SG" sz="1600" dirty="0">
+              <a:solidFill>
+                <a:schemeClr val="bg1"/>
+              </a:solidFill>
+            </a:endParaRPr>
+          </a:p>
+        </p:txBody>
+      </p:sp>
+      <p:cxnSp>
+        <p:nvCxnSpPr>
+          <p:cNvPr id="38" name="Straight Arrow Connector 37">
+            <a:extLst>
+              <a:ext uri="{FF2B5EF4-FFF2-40B4-BE49-F238E27FC236}">
+                <a16:creationId xmlns:a16="http://schemas.microsoft.com/office/drawing/2014/main" id="{13C7D3F6-9EE1-4D54-96F2-CC5CD98984E8}"/>
+              </a:ext>
+            </a:extLst>
+          </p:cNvPr>
+          <p:cNvCxnSpPr/>
+          <p:nvPr/>
+        </p:nvCxnSpPr>
+        <p:spPr>
+          <a:xfrm>
+            <a:off x="3691191" y="2590801"/>
+            <a:ext cx="1597356" cy="1"/>
+          </a:xfrm>
+          <a:prstGeom prst="straightConnector1">
+            <a:avLst/>
+          </a:prstGeom>
+          <a:ln w="19050">
+            <a:headEnd type="none" w="med" len="med"/>
+            <a:tailEnd type="arrow" w="med" len="med"/>
+          </a:ln>
+        </p:spPr>
+        <p:style>
+          <a:lnRef idx="1">
+            <a:schemeClr val="accent1"/>
+          </a:lnRef>
+          <a:fillRef idx="0">
+            <a:schemeClr val="accent1"/>
+          </a:fillRef>
+          <a:effectRef idx="0">
+            <a:schemeClr val="accent1"/>
+          </a:effectRef>
+          <a:fontRef idx="minor">
+            <a:schemeClr val="tx1"/>
+          </a:fontRef>
+        </p:style>
+      </p:cxnSp>
+      <p:sp>
+        <p:nvSpPr>
+          <p:cNvPr id="39" name="Rectangle 38">
+            <a:extLst>
+              <a:ext uri="{FF2B5EF4-FFF2-40B4-BE49-F238E27FC236}">
+                <a16:creationId xmlns:a16="http://schemas.microsoft.com/office/drawing/2014/main" id="{95F627C1-132B-43B5-8DE8-83E1A57A67D4}"/>
+              </a:ext>
+            </a:extLst>
+          </p:cNvPr>
+          <p:cNvSpPr/>
+          <p:nvPr/>
+        </p:nvSpPr>
+        <p:spPr>
+          <a:xfrm>
+            <a:off x="5288548" y="2286001"/>
+            <a:ext cx="205843" cy="123165"/>
+          </a:xfrm>
+          <a:prstGeom prst="rect">
+            <a:avLst/>
+          </a:prstGeom>
+          <a:solidFill>
+            <a:srgbClr val="0070C0"/>
+          </a:solidFill>
+          <a:ln>
+            <a:solidFill>
+              <a:srgbClr val="0070C0"/>
+            </a:solidFill>
+          </a:ln>
+          <a:effectLst/>
+        </p:spPr>
+        <p:style>
+          <a:lnRef idx="1">
+            <a:schemeClr val="accent3"/>
+          </a:lnRef>
+          <a:fillRef idx="2">
+            <a:schemeClr val="accent3"/>
+          </a:fillRef>
+          <a:effectRef idx="1">
+            <a:schemeClr val="accent3"/>
+          </a:effectRef>
+          <a:fontRef idx="minor">
+            <a:schemeClr val="dk1"/>
+          </a:fontRef>
+        </p:style>
+        <p:txBody>
+          <a:bodyPr rtlCol="0" anchor="ctr"/>
+          <a:lstStyle/>
+          <a:p>
+            <a:pPr algn="ctr"/>
+            <a:endParaRPr lang="en-SG" sz="1400"/>
+          </a:p>
+        </p:txBody>
+      </p:sp>
+      <p:cxnSp>
+        <p:nvCxnSpPr>
+          <p:cNvPr id="40" name="Straight Connector 39">
+            <a:extLst>
+              <a:ext uri="{FF2B5EF4-FFF2-40B4-BE49-F238E27FC236}">
+                <a16:creationId xmlns:a16="http://schemas.microsoft.com/office/drawing/2014/main" id="{B4DCADA2-BE7A-4F94-A684-300469D0F3A6}"/>
+              </a:ext>
+            </a:extLst>
+          </p:cNvPr>
+          <p:cNvCxnSpPr>
+            <a:stCxn id="39" idx="0"/>
+          </p:cNvCxnSpPr>
+          <p:nvPr/>
+        </p:nvCxnSpPr>
+        <p:spPr>
+          <a:xfrm>
+            <a:off x="5391469" y="2286000"/>
+            <a:ext cx="0" cy="990600"/>
+          </a:xfrm>
+          <a:prstGeom prst="line">
+            <a:avLst/>
+          </a:prstGeom>
+          <a:ln w="19050">
+            <a:solidFill>
+              <a:srgbClr val="0070C0"/>
+            </a:solidFill>
+            <a:prstDash val="sysDash"/>
+          </a:ln>
+          <a:effectLst/>
+        </p:spPr>
+        <p:style>
+          <a:lnRef idx="1">
+            <a:schemeClr val="accent1"/>
+          </a:lnRef>
+          <a:fillRef idx="2">
+            <a:schemeClr val="accent1"/>
+          </a:fillRef>
+          <a:effectRef idx="1">
+            <a:schemeClr val="accent1"/>
+          </a:effectRef>
+          <a:fontRef idx="minor">
+            <a:schemeClr val="dk1"/>
+          </a:fontRef>
+        </p:style>
+      </p:cxnSp>
+      <p:sp>
+        <p:nvSpPr>
+          <p:cNvPr id="41" name="Rectangle 40">
+            <a:extLst>
+              <a:ext uri="{FF2B5EF4-FFF2-40B4-BE49-F238E27FC236}">
+                <a16:creationId xmlns:a16="http://schemas.microsoft.com/office/drawing/2014/main" id="{ED665B46-3F61-4D7F-8390-308E3FF7B4D0}"/>
+              </a:ext>
+            </a:extLst>
+          </p:cNvPr>
+          <p:cNvSpPr/>
+          <p:nvPr/>
+        </p:nvSpPr>
+        <p:spPr>
+          <a:xfrm>
+            <a:off x="5288548" y="2590801"/>
+            <a:ext cx="205843" cy="533400"/>
+          </a:xfrm>
+          <a:prstGeom prst="rect">
+            <a:avLst/>
+          </a:prstGeom>
+          <a:solidFill>
+            <a:srgbClr val="0070C0"/>
+          </a:solidFill>
+          <a:ln>
+            <a:solidFill>
+              <a:srgbClr val="0070C0"/>
+            </a:solidFill>
+          </a:ln>
+          <a:effectLst/>
+        </p:spPr>
+        <p:style>
+          <a:lnRef idx="1">
+            <a:schemeClr val="accent3"/>
+          </a:lnRef>
+          <a:fillRef idx="2">
+            <a:schemeClr val="accent3"/>
+          </a:fillRef>
+          <a:effectRef idx="1">
+            <a:schemeClr val="accent3"/>
+          </a:effectRef>
+          <a:fontRef idx="minor">
+            <a:schemeClr val="dk1"/>
+          </a:fontRef>
+        </p:style>
+        <p:txBody>
+          <a:bodyPr rtlCol="0" anchor="ctr"/>
+          <a:lstStyle/>
+          <a:p>
+            <a:pPr algn="ctr"/>
+            <a:endParaRPr lang="en-SG" sz="1400"/>
+          </a:p>
+        </p:txBody>
+      </p:sp>
+      <p:cxnSp>
+        <p:nvCxnSpPr>
+          <p:cNvPr id="42" name="Straight Arrow Connector 41">
+            <a:extLst>
+              <a:ext uri="{FF2B5EF4-FFF2-40B4-BE49-F238E27FC236}">
+                <a16:creationId xmlns:a16="http://schemas.microsoft.com/office/drawing/2014/main" id="{F6BCADAC-FEB4-4B27-863E-D5BA037D1649}"/>
+              </a:ext>
+            </a:extLst>
+          </p:cNvPr>
+          <p:cNvCxnSpPr/>
+          <p:nvPr/>
+        </p:nvCxnSpPr>
+        <p:spPr>
+          <a:xfrm>
+            <a:off x="3727983" y="3118273"/>
+            <a:ext cx="1667219" cy="0"/>
+          </a:xfrm>
+          <a:prstGeom prst="straightConnector1">
+            <a:avLst/>
+          </a:prstGeom>
+          <a:ln w="19050">
+            <a:solidFill>
+              <a:srgbClr val="0070C0"/>
+            </a:solidFill>
+            <a:prstDash val="sysDash"/>
+            <a:headEnd type="arrow" w="med" len="med"/>
+            <a:tailEnd type="none" w="med" len="med"/>
+          </a:ln>
+        </p:spPr>
+        <p:style>
+          <a:lnRef idx="1">
+            <a:schemeClr val="accent1"/>
+          </a:lnRef>
+          <a:fillRef idx="0">
+            <a:schemeClr val="accent1"/>
+          </a:fillRef>
+          <a:effectRef idx="0">
+            <a:schemeClr val="accent1"/>
+          </a:effectRef>
+          <a:fontRef idx="minor">
+            <a:schemeClr val="tx1"/>
+          </a:fontRef>
+        </p:style>
+      </p:cxnSp>
+      <p:cxnSp>
+        <p:nvCxnSpPr>
+          <p:cNvPr id="43" name="Straight Arrow Connector 42">
+            <a:extLst>
+              <a:ext uri="{FF2B5EF4-FFF2-40B4-BE49-F238E27FC236}">
+                <a16:creationId xmlns:a16="http://schemas.microsoft.com/office/drawing/2014/main" id="{BD86D800-061B-45B4-8381-434AE29CC6D0}"/>
+              </a:ext>
+            </a:extLst>
+          </p:cNvPr>
+          <p:cNvCxnSpPr/>
+          <p:nvPr/>
+        </p:nvCxnSpPr>
+        <p:spPr>
+          <a:xfrm>
+            <a:off x="7086600" y="4900114"/>
+            <a:ext cx="162246" cy="0"/>
+          </a:xfrm>
+          <a:prstGeom prst="straightConnector1">
+            <a:avLst/>
+          </a:prstGeom>
+          <a:ln w="19050">
+            <a:headEnd type="none" w="med" len="med"/>
+            <a:tailEnd type="arrow" w="med" len="med"/>
+          </a:ln>
+        </p:spPr>
+        <p:style>
+          <a:lnRef idx="1">
+            <a:schemeClr val="accent1"/>
+          </a:lnRef>
+          <a:fillRef idx="0">
+            <a:schemeClr val="accent1"/>
+          </a:fillRef>
+          <a:effectRef idx="0">
+            <a:schemeClr val="accent1"/>
+          </a:effectRef>
+          <a:fontRef idx="minor">
+            <a:schemeClr val="tx1"/>
+          </a:fontRef>
+        </p:style>
+      </p:cxnSp>
+      <p:cxnSp>
+        <p:nvCxnSpPr>
+          <p:cNvPr id="44" name="Straight Arrow Connector 43">
+            <a:extLst>
+              <a:ext uri="{FF2B5EF4-FFF2-40B4-BE49-F238E27FC236}">
+                <a16:creationId xmlns:a16="http://schemas.microsoft.com/office/drawing/2014/main" id="{00B758EE-178B-4D39-B0B5-2C26780729D8}"/>
+              </a:ext>
+            </a:extLst>
+          </p:cNvPr>
+          <p:cNvCxnSpPr/>
+          <p:nvPr/>
+        </p:nvCxnSpPr>
+        <p:spPr>
+          <a:xfrm>
+            <a:off x="3641025" y="2106205"/>
+            <a:ext cx="819556" cy="1"/>
+          </a:xfrm>
+          <a:prstGeom prst="straightConnector1">
+            <a:avLst/>
+          </a:prstGeom>
+          <a:ln w="19050">
+            <a:solidFill>
+              <a:srgbClr val="0070C0"/>
+            </a:solidFill>
+            <a:tailEnd type="arrow"/>
+          </a:ln>
+        </p:spPr>
+        <p:style>
+          <a:lnRef idx="1">
+            <a:schemeClr val="accent1"/>
+          </a:lnRef>
+          <a:fillRef idx="0">
+            <a:schemeClr val="accent1"/>
+          </a:fillRef>
+          <a:effectRef idx="0">
+            <a:schemeClr val="accent1"/>
+          </a:effectRef>
+          <a:fontRef idx="minor">
+            <a:schemeClr val="tx1"/>
+          </a:fontRef>
+        </p:style>
+      </p:cxnSp>
+      <p:cxnSp>
+        <p:nvCxnSpPr>
+          <p:cNvPr id="45" name="Straight Arrow Connector 44">
+            <a:extLst>
+              <a:ext uri="{FF2B5EF4-FFF2-40B4-BE49-F238E27FC236}">
+                <a16:creationId xmlns:a16="http://schemas.microsoft.com/office/drawing/2014/main" id="{62EAD605-5A1B-4055-979B-0D2B3B78020E}"/>
+              </a:ext>
+            </a:extLst>
+          </p:cNvPr>
+          <p:cNvCxnSpPr/>
+          <p:nvPr/>
+        </p:nvCxnSpPr>
+        <p:spPr>
+          <a:xfrm>
+            <a:off x="3688119" y="2409165"/>
+            <a:ext cx="1600428" cy="0"/>
+          </a:xfrm>
+          <a:prstGeom prst="straightConnector1">
+            <a:avLst/>
+          </a:prstGeom>
+          <a:ln w="19050">
+            <a:solidFill>
+              <a:srgbClr val="0070C0"/>
+            </a:solidFill>
+            <a:prstDash val="sysDash"/>
+            <a:headEnd type="arrow" w="med" len="med"/>
+            <a:tailEnd type="none" w="med" len="med"/>
+          </a:ln>
+        </p:spPr>
+        <p:style>
+          <a:lnRef idx="1">
+            <a:schemeClr val="accent1"/>
+          </a:lnRef>
+          <a:fillRef idx="0">
+            <a:schemeClr val="accent1"/>
+          </a:fillRef>
+          <a:effectRef idx="0">
+            <a:schemeClr val="accent1"/>
+          </a:effectRef>
+          <a:fontRef idx="minor">
+            <a:schemeClr val="tx1"/>
+          </a:fontRef>
+        </p:style>
+      </p:cxnSp>
+      <p:sp>
+        <p:nvSpPr>
+          <p:cNvPr id="46" name="TextBox 45">
+            <a:extLst>
+              <a:ext uri="{FF2B5EF4-FFF2-40B4-BE49-F238E27FC236}">
+                <a16:creationId xmlns:a16="http://schemas.microsoft.com/office/drawing/2014/main" id="{05399B09-3489-45F0-8E50-CEA428350ACF}"/>
+              </a:ext>
+            </a:extLst>
+          </p:cNvPr>
+          <p:cNvSpPr txBox="1"/>
+          <p:nvPr/>
+        </p:nvSpPr>
+        <p:spPr>
+          <a:xfrm>
+            <a:off x="5262265" y="3132790"/>
+            <a:ext cx="258404" cy="261610"/>
+          </a:xfrm>
+          <a:prstGeom prst="rect">
+            <a:avLst/>
+          </a:prstGeom>
+          <a:noFill/>
+        </p:spPr>
+        <p:txBody>
+          <a:bodyPr wrap="none" rtlCol="0">
+            <a:spAutoFit/>
+          </a:bodyPr>
+          <a:lstStyle/>
+          <a:p>
+            <a:r>
+              <a:rPr lang="en-SG" sz="1100" dirty="0">
+                <a:solidFill>
+                  <a:srgbClr val="002060"/>
+                </a:solidFill>
+              </a:rPr>
+              <a:t>X</a:t>
+            </a:r>
+          </a:p>
+        </p:txBody>
+      </p:sp>
+      <p:sp>
+        <p:nvSpPr>
+          <p:cNvPr id="47" name="Rectangle 46">
+            <a:extLst>
+              <a:ext uri="{FF2B5EF4-FFF2-40B4-BE49-F238E27FC236}">
+                <a16:creationId xmlns:a16="http://schemas.microsoft.com/office/drawing/2014/main" id="{DA260E45-92F3-48AA-A08B-30ADF9DC5ECA}"/>
+              </a:ext>
+            </a:extLst>
+          </p:cNvPr>
+          <p:cNvSpPr/>
+          <p:nvPr/>
+        </p:nvSpPr>
+        <p:spPr>
+          <a:xfrm>
+            <a:off x="8768173" y="1295400"/>
+            <a:ext cx="985428" cy="338658"/>
+          </a:xfrm>
+          <a:prstGeom prst="rect">
+            <a:avLst/>
+          </a:prstGeom>
+          <a:solidFill>
+            <a:schemeClr val="accent3"/>
+          </a:solidFill>
+          <a:ln>
+            <a:noFill/>
+          </a:ln>
+        </p:spPr>
+        <p:style>
+          <a:lnRef idx="0">
+            <a:scrgbClr r="0" g="0" b="0"/>
+          </a:lnRef>
+          <a:fillRef idx="0">
+            <a:scrgbClr r="0" g="0" b="0"/>
+          </a:fillRef>
+          <a:effectRef idx="0">
+            <a:scrgbClr r="0" g="0" b="0"/>
+          </a:effectRef>
+          <a:fontRef idx="minor">
+            <a:schemeClr val="lt1"/>
+          </a:fontRef>
+        </p:style>
+        <p:txBody>
+          <a:bodyPr rtlCol="0" anchor="ctr"/>
+          <a:lstStyle/>
+          <a:p>
+            <a:pPr algn="ctr"/>
+            <a:r>
+              <a:rPr lang="en-US" dirty="0"/>
+              <a:t>:Session</a:t>
+            </a:r>
+            <a:endParaRPr lang="en-SG" dirty="0"/>
+          </a:p>
+        </p:txBody>
+      </p:sp>
+      <p:cxnSp>
+        <p:nvCxnSpPr>
+          <p:cNvPr id="49" name="Straight Connector 48">
+            <a:extLst>
+              <a:ext uri="{FF2B5EF4-FFF2-40B4-BE49-F238E27FC236}">
+                <a16:creationId xmlns:a16="http://schemas.microsoft.com/office/drawing/2014/main" id="{63E6A0D3-B055-4E68-9BE8-1060FFB4F79A}"/>
+              </a:ext>
+            </a:extLst>
+          </p:cNvPr>
+          <p:cNvCxnSpPr>
+            <a:cxnSpLocks/>
+          </p:cNvCxnSpPr>
+          <p:nvPr/>
+        </p:nvCxnSpPr>
+        <p:spPr>
+          <a:xfrm>
+            <a:off x="9160947" y="1634058"/>
+            <a:ext cx="14176" cy="3014142"/>
+          </a:xfrm>
+          <a:prstGeom prst="line">
+            <a:avLst/>
+          </a:prstGeom>
+          <a:ln>
+            <a:prstDash val="dash"/>
+          </a:ln>
+        </p:spPr>
+        <p:style>
+          <a:lnRef idx="1">
+            <a:schemeClr val="accent3"/>
+          </a:lnRef>
+          <a:fillRef idx="0">
+            <a:schemeClr val="accent3"/>
+          </a:fillRef>
+          <a:effectRef idx="0">
+            <a:schemeClr val="accent3"/>
+          </a:effectRef>
+          <a:fontRef idx="minor">
+            <a:schemeClr val="tx1"/>
+          </a:fontRef>
+        </p:style>
+      </p:cxnSp>
+      <p:sp>
+        <p:nvSpPr>
+          <p:cNvPr id="51" name="Rectangle 50">
+            <a:extLst>
+              <a:ext uri="{FF2B5EF4-FFF2-40B4-BE49-F238E27FC236}">
+                <a16:creationId xmlns:a16="http://schemas.microsoft.com/office/drawing/2014/main" id="{B8F939BF-D15B-465B-9F94-D1E7DB68CCE5}"/>
+              </a:ext>
+            </a:extLst>
+          </p:cNvPr>
+          <p:cNvSpPr/>
+          <p:nvPr/>
+        </p:nvSpPr>
+        <p:spPr>
+          <a:xfrm>
+            <a:off x="9062182" y="3505201"/>
+            <a:ext cx="243141" cy="229083"/>
+          </a:xfrm>
+          <a:prstGeom prst="rect">
+            <a:avLst/>
+          </a:prstGeom>
+          <a:solidFill>
+            <a:srgbClr val="92D050"/>
+          </a:solidFill>
+          <a:ln>
+            <a:noFill/>
+          </a:ln>
+        </p:spPr>
+        <p:style>
+          <a:lnRef idx="2">
+            <a:schemeClr val="accent1">
+              <a:shade val="50000"/>
+            </a:schemeClr>
+          </a:lnRef>
+          <a:fillRef idx="1">
+            <a:schemeClr val="accent1"/>
+          </a:fillRef>
+          <a:effectRef idx="0">
+            <a:schemeClr val="accent1"/>
+          </a:effectRef>
+          <a:fontRef idx="minor">
+            <a:schemeClr val="lt1"/>
+          </a:fontRef>
+        </p:style>
+        <p:txBody>
+          <a:bodyPr rtlCol="0" anchor="ctr"/>
+          <a:lstStyle/>
+          <a:p>
+            <a:pPr algn="ctr"/>
+            <a:endParaRPr lang="en-SG" dirty="0"/>
+          </a:p>
+        </p:txBody>
+      </p:sp>
+      <p:cxnSp>
+        <p:nvCxnSpPr>
+          <p:cNvPr id="53" name="Straight Arrow Connector 52">
+            <a:extLst>
+              <a:ext uri="{FF2B5EF4-FFF2-40B4-BE49-F238E27FC236}">
+                <a16:creationId xmlns:a16="http://schemas.microsoft.com/office/drawing/2014/main" id="{F6CF52D6-B962-4316-8116-1D844C567A68}"/>
+              </a:ext>
+            </a:extLst>
+          </p:cNvPr>
+          <p:cNvCxnSpPr>
+            <a:cxnSpLocks/>
+          </p:cNvCxnSpPr>
+          <p:nvPr/>
+        </p:nvCxnSpPr>
+        <p:spPr>
+          <a:xfrm flipV="1">
+            <a:off x="7086599" y="3505201"/>
+            <a:ext cx="1980000" cy="1"/>
+          </a:xfrm>
+          <a:prstGeom prst="straightConnector1">
+            <a:avLst/>
+          </a:prstGeom>
+          <a:ln>
+            <a:tailEnd type="triangle"/>
+          </a:ln>
+          <a:effectLst/>
+        </p:spPr>
+        <p:style>
+          <a:lnRef idx="2">
+            <a:schemeClr val="accent1"/>
+          </a:lnRef>
+          <a:fillRef idx="0">
+            <a:schemeClr val="accent1"/>
+          </a:fillRef>
+          <a:effectRef idx="1">
+            <a:schemeClr val="accent1"/>
+          </a:effectRef>
+          <a:fontRef idx="minor">
+            <a:schemeClr val="tx1"/>
+          </a:fontRef>
+        </p:style>
+      </p:cxnSp>
+      <p:sp>
+        <p:nvSpPr>
+          <p:cNvPr id="58" name="TextBox 57">
+            <a:extLst>
+              <a:ext uri="{FF2B5EF4-FFF2-40B4-BE49-F238E27FC236}">
+                <a16:creationId xmlns:a16="http://schemas.microsoft.com/office/drawing/2014/main" id="{5DF1A251-4C68-4E27-B0A7-70650823CF06}"/>
+              </a:ext>
+            </a:extLst>
+          </p:cNvPr>
+          <p:cNvSpPr txBox="1"/>
+          <p:nvPr/>
+        </p:nvSpPr>
+        <p:spPr>
+          <a:xfrm>
+            <a:off x="7109957" y="3342961"/>
+            <a:ext cx="1944332" cy="138499"/>
+          </a:xfrm>
+          <a:prstGeom prst="rect">
+            <a:avLst/>
+          </a:prstGeom>
+          <a:noFill/>
+        </p:spPr>
+        <p:txBody>
+          <a:bodyPr wrap="square" lIns="0" tIns="0" rIns="0" bIns="0" rtlCol="0">
+            <a:spAutoFit/>
+          </a:bodyPr>
+          <a:lstStyle>
+            <a:defPPr>
+              <a:defRPr lang="en-US"/>
+            </a:defPPr>
+            <a:lvl1pPr algn="r">
+              <a:defRPr sz="1400">
+                <a:solidFill>
+                  <a:srgbClr val="0070C0"/>
+                </a:solidFill>
+              </a:defRPr>
+            </a:lvl1pPr>
+          </a:lstStyle>
+          <a:p>
+            <a:r>
+              <a:rPr lang="en-US" sz="900" dirty="0" err="1"/>
+              <a:t>hasSufficientPriorityLevelForThisSession</a:t>
+            </a:r>
+            <a:r>
+              <a:rPr lang="en-US" sz="900" dirty="0"/>
+              <a:t>()</a:t>
+            </a:r>
+          </a:p>
+        </p:txBody>
+      </p:sp>
+      <p:cxnSp>
+        <p:nvCxnSpPr>
+          <p:cNvPr id="62" name="Straight Arrow Connector 61">
+            <a:extLst>
+              <a:ext uri="{FF2B5EF4-FFF2-40B4-BE49-F238E27FC236}">
+                <a16:creationId xmlns:a16="http://schemas.microsoft.com/office/drawing/2014/main" id="{83909E57-D1B3-4065-9CFD-497524DA1287}"/>
+              </a:ext>
+            </a:extLst>
+          </p:cNvPr>
+          <p:cNvCxnSpPr/>
+          <p:nvPr/>
+        </p:nvCxnSpPr>
+        <p:spPr>
+          <a:xfrm flipH="1">
+            <a:off x="7086599" y="3734284"/>
+            <a:ext cx="1975583" cy="0"/>
+          </a:xfrm>
+          <a:prstGeom prst="straightConnector1">
+            <a:avLst/>
+          </a:prstGeom>
+          <a:ln>
+            <a:prstDash val="sysDash"/>
+            <a:tailEnd type="triangle"/>
+          </a:ln>
+          <a:effectLst/>
+        </p:spPr>
+        <p:style>
+          <a:lnRef idx="2">
+            <a:schemeClr val="accent1"/>
+          </a:lnRef>
+          <a:fillRef idx="0">
+            <a:schemeClr val="accent1"/>
+          </a:fillRef>
+          <a:effectRef idx="1">
+            <a:schemeClr val="accent1"/>
+          </a:effectRef>
+          <a:fontRef idx="minor">
+            <a:schemeClr val="tx1"/>
+          </a:fontRef>
+        </p:style>
+      </p:cxnSp>
+      <p:sp>
+        <p:nvSpPr>
+          <p:cNvPr id="63" name="TextBox 62">
+            <a:extLst>
+              <a:ext uri="{FF2B5EF4-FFF2-40B4-BE49-F238E27FC236}">
+                <a16:creationId xmlns:a16="http://schemas.microsoft.com/office/drawing/2014/main" id="{03A05BAF-8AFA-4BAF-B628-7921F2EBA32B}"/>
+              </a:ext>
+            </a:extLst>
+          </p:cNvPr>
+          <p:cNvSpPr txBox="1"/>
+          <p:nvPr/>
+        </p:nvSpPr>
+        <p:spPr>
+          <a:xfrm>
+            <a:off x="7300166" y="3528175"/>
+            <a:ext cx="753058" cy="215444"/>
+          </a:xfrm>
+          <a:prstGeom prst="rect">
+            <a:avLst/>
+          </a:prstGeom>
+          <a:noFill/>
+        </p:spPr>
+        <p:txBody>
+          <a:bodyPr wrap="square" lIns="0" tIns="0" rIns="0" bIns="0" rtlCol="0">
+            <a:spAutoFit/>
+          </a:bodyPr>
+          <a:lstStyle>
+            <a:defPPr>
+              <a:defRPr lang="en-US"/>
+            </a:defPPr>
+            <a:lvl1pPr algn="r">
+              <a:defRPr sz="1400">
+                <a:solidFill>
+                  <a:srgbClr val="0070C0"/>
+                </a:solidFill>
+              </a:defRPr>
+            </a:lvl1pPr>
+          </a:lstStyle>
+          <a:p>
+            <a:r>
+              <a:rPr lang="en-US" dirty="0"/>
+              <a:t>true/false</a:t>
+            </a:r>
+          </a:p>
+        </p:txBody>
+      </p:sp>
+      <p:grpSp>
+        <p:nvGrpSpPr>
+          <p:cNvPr id="77" name="Group 76">
+            <a:extLst>
+              <a:ext uri="{FF2B5EF4-FFF2-40B4-BE49-F238E27FC236}">
+                <a16:creationId xmlns:a16="http://schemas.microsoft.com/office/drawing/2014/main" id="{FAA46992-F4F0-4CF1-8450-9305FA2C3142}"/>
+              </a:ext>
+            </a:extLst>
+          </p:cNvPr>
+          <p:cNvGrpSpPr/>
+          <p:nvPr/>
+        </p:nvGrpSpPr>
+        <p:grpSpPr>
+          <a:xfrm>
+            <a:off x="6404207" y="3775067"/>
+            <a:ext cx="3120791" cy="709672"/>
+            <a:chOff x="6404207" y="3775067"/>
+            <a:chExt cx="3120791" cy="709672"/>
+          </a:xfrm>
+        </p:grpSpPr>
+        <p:grpSp>
+          <p:nvGrpSpPr>
+            <p:cNvPr id="74" name="Group 73">
+              <a:extLst>
+                <a:ext uri="{FF2B5EF4-FFF2-40B4-BE49-F238E27FC236}">
+                  <a16:creationId xmlns:a16="http://schemas.microsoft.com/office/drawing/2014/main" id="{5AE914C8-1427-4779-8A8A-2A178F8E24A5}"/>
+                </a:ext>
+              </a:extLst>
+            </p:cNvPr>
+            <p:cNvGrpSpPr/>
+            <p:nvPr/>
+          </p:nvGrpSpPr>
+          <p:grpSpPr>
+            <a:xfrm>
+              <a:off x="6404207" y="3810000"/>
+              <a:ext cx="3120791" cy="674739"/>
+              <a:chOff x="6404207" y="3810000"/>
+              <a:chExt cx="3120791" cy="674739"/>
+            </a:xfrm>
+          </p:grpSpPr>
+          <p:grpSp>
+            <p:nvGrpSpPr>
+              <p:cNvPr id="67" name="Group 66">
+                <a:extLst>
+                  <a:ext uri="{FF2B5EF4-FFF2-40B4-BE49-F238E27FC236}">
+                    <a16:creationId xmlns:a16="http://schemas.microsoft.com/office/drawing/2014/main" id="{9609D4B4-9C24-4A43-8706-63FC5B9A3E56}"/>
+                  </a:ext>
+                </a:extLst>
+              </p:cNvPr>
+              <p:cNvGrpSpPr/>
+              <p:nvPr/>
+            </p:nvGrpSpPr>
+            <p:grpSpPr>
+              <a:xfrm>
+                <a:off x="6404207" y="3810000"/>
+                <a:ext cx="3120791" cy="674739"/>
+                <a:chOff x="6404207" y="3810000"/>
+                <a:chExt cx="3120791" cy="456232"/>
+              </a:xfrm>
+            </p:grpSpPr>
+            <p:sp>
+              <p:nvSpPr>
+                <p:cNvPr id="64" name="Rectangle 63">
+                  <a:extLst>
+                    <a:ext uri="{FF2B5EF4-FFF2-40B4-BE49-F238E27FC236}">
+                      <a16:creationId xmlns:a16="http://schemas.microsoft.com/office/drawing/2014/main" id="{3658265F-7217-4D37-AC47-FEE2593F1E38}"/>
+                    </a:ext>
+                  </a:extLst>
+                </p:cNvPr>
+                <p:cNvSpPr/>
+                <p:nvPr/>
+              </p:nvSpPr>
+              <p:spPr>
+                <a:xfrm>
+                  <a:off x="6431922" y="3810000"/>
+                  <a:ext cx="3093076" cy="456232"/>
+                </a:xfrm>
+                <a:prstGeom prst="rect">
+                  <a:avLst/>
+                </a:prstGeom>
+              </p:spPr>
+              <p:style>
+                <a:lnRef idx="2">
+                  <a:schemeClr val="accent6"/>
+                </a:lnRef>
+                <a:fillRef idx="1">
+                  <a:schemeClr val="lt1"/>
+                </a:fillRef>
+                <a:effectRef idx="0">
+                  <a:schemeClr val="accent6"/>
+                </a:effectRef>
+                <a:fontRef idx="minor">
+                  <a:schemeClr val="dk1"/>
+                </a:fontRef>
+              </p:style>
+              <p:txBody>
+                <a:bodyPr rtlCol="0" anchor="ctr"/>
+                <a:lstStyle/>
+                <a:p>
+                  <a:pPr algn="ctr"/>
+                  <a:endParaRPr lang="en-SG" dirty="0"/>
+                </a:p>
+              </p:txBody>
+            </p:sp>
+            <p:sp>
+              <p:nvSpPr>
+                <p:cNvPr id="65" name="Freeform: Shape 64">
+                  <a:extLst>
+                    <a:ext uri="{FF2B5EF4-FFF2-40B4-BE49-F238E27FC236}">
+                      <a16:creationId xmlns:a16="http://schemas.microsoft.com/office/drawing/2014/main" id="{5E1A2EE6-B5C3-43F0-B638-50D06D6E2A03}"/>
+                    </a:ext>
+                  </a:extLst>
+                </p:cNvPr>
+                <p:cNvSpPr/>
+                <p:nvPr/>
+              </p:nvSpPr>
+              <p:spPr>
+                <a:xfrm>
+                  <a:off x="6431756" y="3817145"/>
+                  <a:ext cx="388144" cy="147298"/>
+                </a:xfrm>
+                <a:custGeom>
+                  <a:avLst/>
+                  <a:gdLst>
+                    <a:gd name="connsiteX0" fmla="*/ 385763 w 388144"/>
+                    <a:gd name="connsiteY0" fmla="*/ 0 h 273844"/>
+                    <a:gd name="connsiteX1" fmla="*/ 388144 w 388144"/>
+                    <a:gd name="connsiteY1" fmla="*/ 173831 h 273844"/>
+                    <a:gd name="connsiteX2" fmla="*/ 276225 w 388144"/>
+                    <a:gd name="connsiteY2" fmla="*/ 273844 h 273844"/>
+                    <a:gd name="connsiteX3" fmla="*/ 0 w 388144"/>
+                    <a:gd name="connsiteY3" fmla="*/ 273844 h 273844"/>
+                    <a:gd name="connsiteX4" fmla="*/ 0 w 388144"/>
+                    <a:gd name="connsiteY4" fmla="*/ 273844 h 273844"/>
+                    <a:gd name="connsiteX5" fmla="*/ 0 w 388144"/>
+                    <a:gd name="connsiteY5" fmla="*/ 273844 h 273844"/>
+                  </a:gdLst>
+                  <a:ahLst/>
+                  <a:cxnLst>
+                    <a:cxn ang="0">
+                      <a:pos x="connsiteX0" y="connsiteY0"/>
+                    </a:cxn>
+                    <a:cxn ang="0">
+                      <a:pos x="connsiteX1" y="connsiteY1"/>
+                    </a:cxn>
+                    <a:cxn ang="0">
+                      <a:pos x="connsiteX2" y="connsiteY2"/>
+                    </a:cxn>
+                    <a:cxn ang="0">
+                      <a:pos x="connsiteX3" y="connsiteY3"/>
+                    </a:cxn>
+                    <a:cxn ang="0">
+                      <a:pos x="connsiteX4" y="connsiteY4"/>
+                    </a:cxn>
+                    <a:cxn ang="0">
+                      <a:pos x="connsiteX5" y="connsiteY5"/>
+                    </a:cxn>
+                  </a:cxnLst>
+                  <a:rect l="l" t="t" r="r" b="b"/>
+                  <a:pathLst>
+                    <a:path w="388144" h="273844">
+                      <a:moveTo>
+                        <a:pt x="385763" y="0"/>
+                      </a:moveTo>
+                      <a:cubicBezTo>
+                        <a:pt x="386557" y="57944"/>
+                        <a:pt x="387350" y="115887"/>
+                        <a:pt x="388144" y="173831"/>
+                      </a:cubicBezTo>
+                      <a:lnTo>
+                        <a:pt x="276225" y="273844"/>
+                      </a:lnTo>
+                      <a:lnTo>
+                        <a:pt x="0" y="273844"/>
+                      </a:lnTo>
+                      <a:lnTo>
+                        <a:pt x="0" y="273844"/>
+                      </a:lnTo>
+                      <a:lnTo>
+                        <a:pt x="0" y="273844"/>
+                      </a:lnTo>
+                    </a:path>
+                  </a:pathLst>
+                </a:custGeom>
+                <a:noFill/>
+              </p:spPr>
+              <p:style>
+                <a:lnRef idx="2">
+                  <a:schemeClr val="accent1">
+                    <a:shade val="50000"/>
+                  </a:schemeClr>
+                </a:lnRef>
+                <a:fillRef idx="1">
+                  <a:schemeClr val="accent1"/>
+                </a:fillRef>
+                <a:effectRef idx="0">
+                  <a:schemeClr val="accent1"/>
+                </a:effectRef>
+                <a:fontRef idx="minor">
+                  <a:schemeClr val="lt1"/>
+                </a:fontRef>
+              </p:style>
+              <p:txBody>
+                <a:bodyPr rtlCol="0" anchor="ctr"/>
+                <a:lstStyle/>
+                <a:p>
+                  <a:pPr algn="ctr"/>
+                  <a:endParaRPr lang="en-SG"/>
+                </a:p>
+              </p:txBody>
+            </p:sp>
+            <p:sp>
+              <p:nvSpPr>
+                <p:cNvPr id="66" name="TextBox 65">
+                  <a:extLst>
+                    <a:ext uri="{FF2B5EF4-FFF2-40B4-BE49-F238E27FC236}">
+                      <a16:creationId xmlns:a16="http://schemas.microsoft.com/office/drawing/2014/main" id="{01736BCB-7665-4B7D-A104-A926CCEB3C7E}"/>
+                    </a:ext>
+                  </a:extLst>
+                </p:cNvPr>
+                <p:cNvSpPr txBox="1"/>
+                <p:nvPr/>
+              </p:nvSpPr>
+              <p:spPr>
+                <a:xfrm>
+                  <a:off x="6404207" y="3817014"/>
+                  <a:ext cx="406467" cy="246221"/>
+                </a:xfrm>
+                <a:prstGeom prst="rect">
+                  <a:avLst/>
+                </a:prstGeom>
+                <a:noFill/>
+              </p:spPr>
+              <p:txBody>
+                <a:bodyPr wrap="square" rtlCol="0">
+                  <a:spAutoFit/>
+                </a:bodyPr>
+                <a:lstStyle/>
+                <a:p>
+                  <a:r>
+                    <a:rPr lang="en-US" sz="1000" dirty="0"/>
+                    <a:t>ALT</a:t>
+                  </a:r>
+                  <a:endParaRPr lang="en-SG" sz="1000" dirty="0"/>
+                </a:p>
+              </p:txBody>
+            </p:sp>
+          </p:grpSp>
+          <p:cxnSp>
+            <p:nvCxnSpPr>
+              <p:cNvPr id="69" name="Straight Connector 68">
+                <a:extLst>
+                  <a:ext uri="{FF2B5EF4-FFF2-40B4-BE49-F238E27FC236}">
+                    <a16:creationId xmlns:a16="http://schemas.microsoft.com/office/drawing/2014/main" id="{971EF425-060F-40AA-936A-0B7B814B51F6}"/>
+                  </a:ext>
+                </a:extLst>
+              </p:cNvPr>
+              <p:cNvCxnSpPr>
+                <a:cxnSpLocks/>
+                <a:stCxn id="64" idx="1"/>
+                <a:endCxn id="64" idx="3"/>
+              </p:cNvCxnSpPr>
+              <p:nvPr/>
+            </p:nvCxnSpPr>
+            <p:spPr>
+              <a:xfrm>
+                <a:off x="6431922" y="4147370"/>
+                <a:ext cx="3093076" cy="0"/>
+              </a:xfrm>
+              <a:prstGeom prst="line">
+                <a:avLst/>
+              </a:prstGeom>
+              <a:ln>
+                <a:prstDash val="sysDash"/>
+              </a:ln>
+            </p:spPr>
+            <p:style>
+              <a:lnRef idx="1">
+                <a:schemeClr val="accent1"/>
+              </a:lnRef>
+              <a:fillRef idx="0">
+                <a:schemeClr val="accent1"/>
+              </a:fillRef>
+              <a:effectRef idx="0">
+                <a:schemeClr val="accent1"/>
+              </a:effectRef>
+              <a:fontRef idx="minor">
+                <a:schemeClr val="tx1"/>
+              </a:fontRef>
+            </p:style>
+          </p:cxnSp>
+        </p:grpSp>
+        <p:sp>
+          <p:nvSpPr>
+            <p:cNvPr id="71" name="TextBox 70">
+              <a:extLst>
+                <a:ext uri="{FF2B5EF4-FFF2-40B4-BE49-F238E27FC236}">
+                  <a16:creationId xmlns:a16="http://schemas.microsoft.com/office/drawing/2014/main" id="{F9AC393B-1C88-46C1-BF4B-2211DE70BC3B}"/>
+                </a:ext>
+              </a:extLst>
+            </p:cNvPr>
+            <p:cNvSpPr txBox="1"/>
+            <p:nvPr/>
+          </p:nvSpPr>
+          <p:spPr>
+            <a:xfrm>
+              <a:off x="6996713" y="3775067"/>
+              <a:ext cx="1336905" cy="246221"/>
+            </a:xfrm>
+            <a:prstGeom prst="rect">
+              <a:avLst/>
+            </a:prstGeom>
+            <a:noFill/>
+          </p:spPr>
+          <p:txBody>
+            <a:bodyPr wrap="square" rtlCol="0">
+              <a:spAutoFit/>
+            </a:bodyPr>
+            <a:lstStyle/>
+            <a:p>
+              <a:r>
+                <a:rPr lang="en-US" sz="1000" dirty="0"/>
+                <a:t>[returned TRUE]</a:t>
+              </a:r>
+              <a:endParaRPr lang="en-SG" sz="1000" dirty="0"/>
+            </a:p>
+          </p:txBody>
+        </p:sp>
+        <p:sp>
+          <p:nvSpPr>
+            <p:cNvPr id="75" name="TextBox 74">
+              <a:extLst>
+                <a:ext uri="{FF2B5EF4-FFF2-40B4-BE49-F238E27FC236}">
+                  <a16:creationId xmlns:a16="http://schemas.microsoft.com/office/drawing/2014/main" id="{57C78724-0965-49D3-A299-DDCCBE439DF3}"/>
+                </a:ext>
+              </a:extLst>
+            </p:cNvPr>
+            <p:cNvSpPr txBox="1"/>
+            <p:nvPr/>
+          </p:nvSpPr>
+          <p:spPr>
+            <a:xfrm>
+              <a:off x="7004104" y="4091816"/>
+              <a:ext cx="468508" cy="246221"/>
+            </a:xfrm>
+            <a:prstGeom prst="rect">
+              <a:avLst/>
+            </a:prstGeom>
+            <a:noFill/>
+          </p:spPr>
+          <p:txBody>
+            <a:bodyPr wrap="square" rtlCol="0">
+              <a:spAutoFit/>
+            </a:bodyPr>
+            <a:lstStyle/>
+            <a:p>
+              <a:r>
+                <a:rPr lang="en-US" sz="1000" dirty="0"/>
+                <a:t>[else]</a:t>
+              </a:r>
+              <a:endParaRPr lang="en-SG" sz="1000" dirty="0"/>
+            </a:p>
+          </p:txBody>
+        </p:sp>
+      </p:grpSp>
+      <p:sp>
+        <p:nvSpPr>
+          <p:cNvPr id="22" name="Rectangle 21">
+            <a:extLst>
+              <a:ext uri="{FF2B5EF4-FFF2-40B4-BE49-F238E27FC236}">
+                <a16:creationId xmlns:a16="http://schemas.microsoft.com/office/drawing/2014/main" id="{57E6C7AE-049B-4814-B0F1-56A8600D608D}"/>
+              </a:ext>
+            </a:extLst>
+          </p:cNvPr>
+          <p:cNvSpPr/>
+          <p:nvPr/>
+        </p:nvSpPr>
+        <p:spPr>
+          <a:xfrm>
+            <a:off x="6923928" y="3400199"/>
+            <a:ext cx="138904" cy="2009991"/>
+          </a:xfrm>
+          <a:prstGeom prst="rect">
+            <a:avLst/>
+          </a:prstGeom>
+          <a:solidFill>
+            <a:srgbClr val="0070C0"/>
+          </a:solidFill>
+          <a:ln>
+            <a:solidFill>
+              <a:srgbClr val="0070C0"/>
+            </a:solidFill>
+          </a:ln>
+          <a:effectLst/>
+        </p:spPr>
+        <p:style>
+          <a:lnRef idx="1">
+            <a:schemeClr val="accent3"/>
+          </a:lnRef>
+          <a:fillRef idx="2">
+            <a:schemeClr val="accent3"/>
+          </a:fillRef>
+          <a:effectRef idx="1">
+            <a:schemeClr val="accent3"/>
+          </a:effectRef>
+          <a:fontRef idx="minor">
+            <a:schemeClr val="dk1"/>
+          </a:fontRef>
+        </p:style>
+        <p:txBody>
+          <a:bodyPr rtlCol="0" anchor="ctr"/>
+          <a:lstStyle/>
+          <a:p>
+            <a:pPr algn="ctr"/>
+            <a:endParaRPr lang="en-SG" sz="1400"/>
+          </a:p>
+        </p:txBody>
+      </p:sp>
+      <p:sp>
+        <p:nvSpPr>
+          <p:cNvPr id="78" name="TextBox 77">
+            <a:extLst>
+              <a:ext uri="{FF2B5EF4-FFF2-40B4-BE49-F238E27FC236}">
+                <a16:creationId xmlns:a16="http://schemas.microsoft.com/office/drawing/2014/main" id="{72E35B19-DE24-4633-B61A-284A8306E059}"/>
+              </a:ext>
+            </a:extLst>
+          </p:cNvPr>
+          <p:cNvSpPr txBox="1"/>
+          <p:nvPr/>
+        </p:nvSpPr>
+        <p:spPr>
+          <a:xfrm>
+            <a:off x="7381022" y="4109680"/>
+            <a:ext cx="1752599" cy="369332"/>
+          </a:xfrm>
+          <a:prstGeom prst="rect">
+            <a:avLst/>
+          </a:prstGeom>
+          <a:noFill/>
+        </p:spPr>
+        <p:txBody>
+          <a:bodyPr wrap="square" rtlCol="0">
+            <a:spAutoFit/>
+          </a:bodyPr>
+          <a:lstStyle/>
+          <a:p>
+            <a:r>
+              <a:rPr lang="en-US" dirty="0"/>
+              <a:t>Throw exception</a:t>
+            </a:r>
+            <a:endParaRPr lang="en-SG" dirty="0"/>
+          </a:p>
+        </p:txBody>
+      </p:sp>
+      <p:cxnSp>
+        <p:nvCxnSpPr>
+          <p:cNvPr id="81" name="Straight Arrow Connector 80">
+            <a:extLst>
+              <a:ext uri="{FF2B5EF4-FFF2-40B4-BE49-F238E27FC236}">
+                <a16:creationId xmlns:a16="http://schemas.microsoft.com/office/drawing/2014/main" id="{91946733-3648-4D92-812E-86C3EF0A647A}"/>
+              </a:ext>
+            </a:extLst>
+          </p:cNvPr>
+          <p:cNvCxnSpPr>
+            <a:cxnSpLocks/>
+          </p:cNvCxnSpPr>
+          <p:nvPr/>
+        </p:nvCxnSpPr>
+        <p:spPr>
+          <a:xfrm flipV="1">
+            <a:off x="7055572" y="4021289"/>
+            <a:ext cx="4374428" cy="27188"/>
+          </a:xfrm>
+          <a:prstGeom prst="straightConnector1">
+            <a:avLst/>
+          </a:prstGeom>
+          <a:ln>
+            <a:tailEnd type="triangle"/>
+          </a:ln>
+          <a:effectLst/>
+        </p:spPr>
+        <p:style>
+          <a:lnRef idx="2">
+            <a:schemeClr val="accent1"/>
+          </a:lnRef>
+          <a:fillRef idx="0">
+            <a:schemeClr val="accent1"/>
+          </a:fillRef>
+          <a:effectRef idx="1">
+            <a:schemeClr val="accent1"/>
+          </a:effectRef>
+          <a:fontRef idx="minor">
+            <a:schemeClr val="tx1"/>
+          </a:fontRef>
+        </p:style>
+      </p:cxnSp>
+      <p:sp>
+        <p:nvSpPr>
+          <p:cNvPr id="28" name="TextBox 27">
+            <a:extLst>
+              <a:ext uri="{FF2B5EF4-FFF2-40B4-BE49-F238E27FC236}">
+                <a16:creationId xmlns:a16="http://schemas.microsoft.com/office/drawing/2014/main" id="{F04EA126-3A95-4C7C-AB17-743F7F41B790}"/>
+              </a:ext>
+            </a:extLst>
+          </p:cNvPr>
+          <p:cNvSpPr txBox="1"/>
+          <p:nvPr/>
+        </p:nvSpPr>
+        <p:spPr>
+          <a:xfrm>
+            <a:off x="7840995" y="3808879"/>
+            <a:ext cx="1424846" cy="215444"/>
+          </a:xfrm>
+          <a:prstGeom prst="rect">
+            <a:avLst/>
+          </a:prstGeom>
+          <a:noFill/>
+        </p:spPr>
+        <p:txBody>
+          <a:bodyPr wrap="square" lIns="0" tIns="0" rIns="0" bIns="0" rtlCol="0">
+            <a:spAutoFit/>
+          </a:bodyPr>
+          <a:lstStyle>
+            <a:defPPr>
+              <a:defRPr lang="en-US"/>
+            </a:defPPr>
+            <a:lvl1pPr algn="r">
+              <a:defRPr sz="1400">
+                <a:solidFill>
+                  <a:srgbClr val="0070C0"/>
+                </a:solidFill>
+              </a:defRPr>
+            </a:lvl1pPr>
+          </a:lstStyle>
+          <a:p>
+            <a:r>
+              <a:rPr lang="en-US" dirty="0" err="1">
+                <a:solidFill>
+                  <a:srgbClr val="7030A0"/>
+                </a:solidFill>
+              </a:rPr>
+              <a:t>deletePerson</a:t>
+            </a:r>
+            <a:r>
+              <a:rPr lang="en-US" dirty="0">
+                <a:solidFill>
+                  <a:srgbClr val="7030A0"/>
+                </a:solidFill>
+              </a:rPr>
+              <a:t>(p)</a:t>
+            </a:r>
+          </a:p>
+        </p:txBody>
+      </p:sp>
+    </p:spTree>
+    <p:extLst>
+      <p:ext uri="{BB962C8B-B14F-4D97-AF65-F5344CB8AC3E}">
+        <p14:creationId xmlns:p14="http://schemas.microsoft.com/office/powerpoint/2010/main" val="166442075"/>
       </p:ext>
     </p:extLst>
   </p:cSld>
